--- a/aihack.pptx
+++ b/aihack.pptx
@@ -74,7 +74,7 @@
         <a:sym typeface="Times New Roman"/>
       </a:defRPr>
     </a:lvl1pPr>
-    <a:lvl2pPr marL="0" marR="0" indent="0" algn="l" defTabSz="457200" rtl="0" fontAlgn="auto" latinLnBrk="0" hangingPunct="0">
+    <a:lvl2pPr marL="0" marR="0" indent="457200" algn="l" defTabSz="457200" rtl="0" fontAlgn="auto" latinLnBrk="0" hangingPunct="0">
       <a:lnSpc>
         <a:spcPct val="104000"/>
       </a:lnSpc>
@@ -104,7 +104,7 @@
         <a:sym typeface="Times New Roman"/>
       </a:defRPr>
     </a:lvl2pPr>
-    <a:lvl3pPr marL="0" marR="0" indent="0" algn="l" defTabSz="457200" rtl="0" fontAlgn="auto" latinLnBrk="0" hangingPunct="0">
+    <a:lvl3pPr marL="0" marR="0" indent="914400" algn="l" defTabSz="457200" rtl="0" fontAlgn="auto" latinLnBrk="0" hangingPunct="0">
       <a:lnSpc>
         <a:spcPct val="104000"/>
       </a:lnSpc>
@@ -134,7 +134,7 @@
         <a:sym typeface="Times New Roman"/>
       </a:defRPr>
     </a:lvl3pPr>
-    <a:lvl4pPr marL="0" marR="0" indent="0" algn="l" defTabSz="457200" rtl="0" fontAlgn="auto" latinLnBrk="0" hangingPunct="0">
+    <a:lvl4pPr marL="0" marR="0" indent="1371600" algn="l" defTabSz="457200" rtl="0" fontAlgn="auto" latinLnBrk="0" hangingPunct="0">
       <a:lnSpc>
         <a:spcPct val="104000"/>
       </a:lnSpc>
@@ -164,7 +164,7 @@
         <a:sym typeface="Times New Roman"/>
       </a:defRPr>
     </a:lvl4pPr>
-    <a:lvl5pPr marL="0" marR="0" indent="0" algn="l" defTabSz="457200" rtl="0" fontAlgn="auto" latinLnBrk="0" hangingPunct="0">
+    <a:lvl5pPr marL="0" marR="0" indent="1828800" algn="l" defTabSz="457200" rtl="0" fontAlgn="auto" latinLnBrk="0" hangingPunct="0">
       <a:lnSpc>
         <a:spcPct val="104000"/>
       </a:lnSpc>
@@ -641,8 +641,8 @@
         </p:nvSpPr>
         <p:spPr>
           <a:xfrm>
-            <a:off x="-1" y="3149599"/>
-            <a:ext cx="9720265" cy="1260478"/>
+            <a:off x="0" y="3149599"/>
+            <a:ext cx="9720263" cy="1260477"/>
           </a:xfrm>
           <a:prstGeom prst="rect">
             <a:avLst/>
@@ -655,7 +655,7 @@
           </a:ln>
         </p:spPr>
         <p:txBody>
-          <a:bodyPr lIns="45718" tIns="45718" rIns="45718" bIns="45718" anchor="ctr"/>
+          <a:bodyPr lIns="45719" rIns="45719" anchor="ctr"/>
           <a:lstStyle/>
           <a:p>
             <a:pPr>
@@ -679,8 +679,8 @@
         </p:nvSpPr>
         <p:spPr>
           <a:xfrm>
-            <a:off x="755331" y="2347411"/>
-            <a:ext cx="8560437" cy="1619752"/>
+            <a:off x="755332" y="2347412"/>
+            <a:ext cx="8560436" cy="1619751"/>
           </a:xfrm>
           <a:prstGeom prst="rect">
             <a:avLst/>
@@ -707,8 +707,8 @@
         </p:nvSpPr>
         <p:spPr>
           <a:xfrm>
-            <a:off x="1510664" y="4282016"/>
-            <a:ext cx="7049771" cy="1931108"/>
+            <a:off x="1510665" y="4282016"/>
+            <a:ext cx="7049770" cy="1931107"/>
           </a:xfrm>
           <a:prstGeom prst="rect">
             <a:avLst/>
@@ -815,8 +815,8 @@
         </p:nvSpPr>
         <p:spPr>
           <a:xfrm>
-            <a:off x="447403" y="6840536"/>
-            <a:ext cx="266973" cy="279401"/>
+            <a:off x="447402" y="6840537"/>
+            <a:ext cx="266974" cy="279401"/>
           </a:xfrm>
           <a:prstGeom prst="rect">
             <a:avLst/>
@@ -881,8 +881,8 @@
         </p:nvSpPr>
         <p:spPr>
           <a:xfrm>
-            <a:off x="-1" y="179386"/>
-            <a:ext cx="9720265" cy="1260478"/>
+            <a:off x="0" y="179387"/>
+            <a:ext cx="9720263" cy="1260476"/>
           </a:xfrm>
           <a:prstGeom prst="rect">
             <a:avLst/>
@@ -895,7 +895,7 @@
           </a:ln>
         </p:spPr>
         <p:txBody>
-          <a:bodyPr lIns="45718" tIns="45718" rIns="45718" bIns="45718" anchor="ctr"/>
+          <a:bodyPr lIns="45719" rIns="45719" anchor="ctr"/>
           <a:lstStyle/>
           <a:p>
             <a:pPr>
@@ -917,8 +917,8 @@
         </p:nvSpPr>
         <p:spPr>
           <a:xfrm>
-            <a:off x="7559674" y="6840536"/>
-            <a:ext cx="2519365" cy="539752"/>
+            <a:off x="7559675" y="6840537"/>
+            <a:ext cx="2519363" cy="539751"/>
           </a:xfrm>
           <a:prstGeom prst="rect">
             <a:avLst/>
@@ -931,7 +931,7 @@
           </a:ln>
         </p:spPr>
         <p:txBody>
-          <a:bodyPr lIns="45718" tIns="45718" rIns="45718" bIns="45718" anchor="ctr"/>
+          <a:bodyPr lIns="45719" rIns="45719" anchor="ctr"/>
           <a:lstStyle/>
           <a:p>
             <a:pPr>
@@ -953,8 +953,8 @@
         </p:nvSpPr>
         <p:spPr>
           <a:xfrm>
-            <a:off x="900111" y="6840536"/>
-            <a:ext cx="6480178" cy="539752"/>
+            <a:off x="900112" y="6840537"/>
+            <a:ext cx="6480176" cy="539751"/>
           </a:xfrm>
           <a:prstGeom prst="rect">
             <a:avLst/>
@@ -967,7 +967,7 @@
           </a:ln>
         </p:spPr>
         <p:txBody>
-          <a:bodyPr lIns="45718" tIns="45718" rIns="45718" bIns="45718" anchor="ctr"/>
+          <a:bodyPr lIns="45719" rIns="45719" anchor="ctr"/>
           <a:lstStyle/>
           <a:p>
             <a:pPr>
@@ -991,8 +991,8 @@
         </p:nvSpPr>
         <p:spPr>
           <a:xfrm>
-            <a:off x="360361" y="360361"/>
-            <a:ext cx="9355140" cy="895352"/>
+            <a:off x="360362" y="360362"/>
+            <a:ext cx="9355138" cy="895351"/>
           </a:xfrm>
           <a:prstGeom prst="rect">
             <a:avLst/>
@@ -1029,8 +1029,8 @@
         </p:nvSpPr>
         <p:spPr>
           <a:xfrm>
-            <a:off x="360361" y="1979611"/>
-            <a:ext cx="9175752" cy="4675189"/>
+            <a:off x="360362" y="1979612"/>
+            <a:ext cx="9175751" cy="4675188"/>
           </a:xfrm>
           <a:prstGeom prst="rect">
             <a:avLst/>
@@ -1304,7 +1304,7 @@
           <a:sym typeface="Source Sans Pro Black"/>
         </a:defRPr>
       </a:lvl5pPr>
-      <a:lvl6pPr marL="0" marR="0" indent="0" algn="l" defTabSz="457200" rtl="0" latinLnBrk="0">
+      <a:lvl6pPr marL="0" marR="0" indent="457200" algn="l" defTabSz="457200" rtl="0" latinLnBrk="0">
         <a:lnSpc>
           <a:spcPct val="104000"/>
         </a:lnSpc>
@@ -1333,7 +1333,7 @@
           <a:sym typeface="Source Sans Pro Black"/>
         </a:defRPr>
       </a:lvl6pPr>
-      <a:lvl7pPr marL="0" marR="0" indent="0" algn="l" defTabSz="457200" rtl="0" latinLnBrk="0">
+      <a:lvl7pPr marL="0" marR="0" indent="914400" algn="l" defTabSz="457200" rtl="0" latinLnBrk="0">
         <a:lnSpc>
           <a:spcPct val="104000"/>
         </a:lnSpc>
@@ -1362,7 +1362,7 @@
           <a:sym typeface="Source Sans Pro Black"/>
         </a:defRPr>
       </a:lvl7pPr>
-      <a:lvl8pPr marL="0" marR="0" indent="0" algn="l" defTabSz="457200" rtl="0" latinLnBrk="0">
+      <a:lvl8pPr marL="0" marR="0" indent="1371600" algn="l" defTabSz="457200" rtl="0" latinLnBrk="0">
         <a:lnSpc>
           <a:spcPct val="104000"/>
         </a:lnSpc>
@@ -1391,7 +1391,7 @@
           <a:sym typeface="Source Sans Pro Black"/>
         </a:defRPr>
       </a:lvl8pPr>
-      <a:lvl9pPr marL="0" marR="0" indent="0" algn="l" defTabSz="457200" rtl="0" latinLnBrk="0">
+      <a:lvl9pPr marL="0" marR="0" indent="1828800" algn="l" defTabSz="457200" rtl="0" latinLnBrk="0">
         <a:lnSpc>
           <a:spcPct val="104000"/>
         </a:lnSpc>
@@ -1451,7 +1451,7 @@
           <a:sym typeface="Source Sans Pro Semibold"/>
         </a:defRPr>
       </a:lvl1pPr>
-      <a:lvl2pPr marL="342900" marR="0" indent="0" algn="l" defTabSz="457200" rtl="0" latinLnBrk="0">
+      <a:lvl2pPr marL="342900" marR="0" indent="114300" algn="l" defTabSz="457200" rtl="0" latinLnBrk="0">
         <a:lnSpc>
           <a:spcPct val="104000"/>
         </a:lnSpc>
@@ -1480,7 +1480,7 @@
           <a:sym typeface="Source Sans Pro Semibold"/>
         </a:defRPr>
       </a:lvl2pPr>
-      <a:lvl3pPr marL="342900" marR="0" indent="0" algn="l" defTabSz="457200" rtl="0" latinLnBrk="0">
+      <a:lvl3pPr marL="342900" marR="0" indent="571500" algn="l" defTabSz="457200" rtl="0" latinLnBrk="0">
         <a:lnSpc>
           <a:spcPct val="104000"/>
         </a:lnSpc>
@@ -1509,7 +1509,7 @@
           <a:sym typeface="Source Sans Pro Semibold"/>
         </a:defRPr>
       </a:lvl3pPr>
-      <a:lvl4pPr marL="342900" marR="0" indent="0" algn="l" defTabSz="457200" rtl="0" latinLnBrk="0">
+      <a:lvl4pPr marL="342900" marR="0" indent="1028700" algn="l" defTabSz="457200" rtl="0" latinLnBrk="0">
         <a:lnSpc>
           <a:spcPct val="104000"/>
         </a:lnSpc>
@@ -1538,7 +1538,7 @@
           <a:sym typeface="Source Sans Pro Semibold"/>
         </a:defRPr>
       </a:lvl4pPr>
-      <a:lvl5pPr marL="342900" marR="0" indent="0" algn="l" defTabSz="457200" rtl="0" latinLnBrk="0">
+      <a:lvl5pPr marL="342900" marR="0" indent="1485900" algn="l" defTabSz="457200" rtl="0" latinLnBrk="0">
         <a:lnSpc>
           <a:spcPct val="104000"/>
         </a:lnSpc>
@@ -1567,7 +1567,7 @@
           <a:sym typeface="Source Sans Pro Semibold"/>
         </a:defRPr>
       </a:lvl5pPr>
-      <a:lvl6pPr marL="342900" marR="0" indent="0" algn="l" defTabSz="457200" rtl="0" latinLnBrk="0">
+      <a:lvl6pPr marL="342900" marR="0" indent="1943100" algn="l" defTabSz="457200" rtl="0" latinLnBrk="0">
         <a:lnSpc>
           <a:spcPct val="104000"/>
         </a:lnSpc>
@@ -1596,7 +1596,7 @@
           <a:sym typeface="Source Sans Pro Semibold"/>
         </a:defRPr>
       </a:lvl6pPr>
-      <a:lvl7pPr marL="342900" marR="0" indent="0" algn="l" defTabSz="457200" rtl="0" latinLnBrk="0">
+      <a:lvl7pPr marL="342900" marR="0" indent="2400300" algn="l" defTabSz="457200" rtl="0" latinLnBrk="0">
         <a:lnSpc>
           <a:spcPct val="104000"/>
         </a:lnSpc>
@@ -1625,7 +1625,7 @@
           <a:sym typeface="Source Sans Pro Semibold"/>
         </a:defRPr>
       </a:lvl7pPr>
-      <a:lvl8pPr marL="342900" marR="0" indent="0" algn="l" defTabSz="457200" rtl="0" latinLnBrk="0">
+      <a:lvl8pPr marL="342900" marR="0" indent="2857500" algn="l" defTabSz="457200" rtl="0" latinLnBrk="0">
         <a:lnSpc>
           <a:spcPct val="104000"/>
         </a:lnSpc>
@@ -1654,7 +1654,7 @@
           <a:sym typeface="Source Sans Pro Semibold"/>
         </a:defRPr>
       </a:lvl8pPr>
-      <a:lvl9pPr marL="342900" marR="0" indent="0" algn="l" defTabSz="457200" rtl="0" latinLnBrk="0">
+      <a:lvl9pPr marL="342900" marR="0" indent="3314700" algn="l" defTabSz="457200" rtl="0" latinLnBrk="0">
         <a:lnSpc>
           <a:spcPct val="104000"/>
         </a:lnSpc>
@@ -1735,7 +1735,7 @@
           <a:sym typeface="Source Sans Pro Black"/>
         </a:defRPr>
       </a:lvl1pPr>
-      <a:lvl2pPr marL="0" marR="0" indent="0" algn="ctr" defTabSz="457200" rtl="0" latinLnBrk="0">
+      <a:lvl2pPr marL="0" marR="0" indent="457200" algn="ctr" defTabSz="457200" rtl="0" latinLnBrk="0">
         <a:lnSpc>
           <a:spcPct val="104000"/>
         </a:lnSpc>
@@ -1785,7 +1785,7 @@
           <a:sym typeface="Source Sans Pro Black"/>
         </a:defRPr>
       </a:lvl2pPr>
-      <a:lvl3pPr marL="0" marR="0" indent="0" algn="ctr" defTabSz="457200" rtl="0" latinLnBrk="0">
+      <a:lvl3pPr marL="0" marR="0" indent="914400" algn="ctr" defTabSz="457200" rtl="0" latinLnBrk="0">
         <a:lnSpc>
           <a:spcPct val="104000"/>
         </a:lnSpc>
@@ -1835,7 +1835,7 @@
           <a:sym typeface="Source Sans Pro Black"/>
         </a:defRPr>
       </a:lvl3pPr>
-      <a:lvl4pPr marL="0" marR="0" indent="0" algn="ctr" defTabSz="457200" rtl="0" latinLnBrk="0">
+      <a:lvl4pPr marL="0" marR="0" indent="1371600" algn="ctr" defTabSz="457200" rtl="0" latinLnBrk="0">
         <a:lnSpc>
           <a:spcPct val="104000"/>
         </a:lnSpc>
@@ -1885,7 +1885,7 @@
           <a:sym typeface="Source Sans Pro Black"/>
         </a:defRPr>
       </a:lvl4pPr>
-      <a:lvl5pPr marL="0" marR="0" indent="0" algn="ctr" defTabSz="457200" rtl="0" latinLnBrk="0">
+      <a:lvl5pPr marL="0" marR="0" indent="1828800" algn="ctr" defTabSz="457200" rtl="0" latinLnBrk="0">
         <a:lnSpc>
           <a:spcPct val="104000"/>
         </a:lnSpc>
@@ -2159,7 +2159,7 @@
       </p:grpSpPr>
       <p:sp>
         <p:nvSpPr>
-          <p:cNvPr id="35" name="Axis Bank AI Hack"/>
+          <p:cNvPr id="35" name="AI Hack"/>
           <p:cNvSpPr txBox="1"/>
           <p:nvPr>
             <p:ph type="title"/>
@@ -2212,7 +2212,7 @@
       </p:sp>
       <p:sp>
         <p:nvSpPr>
-          <p:cNvPr id="36" name="Signature verification using machine learning"/>
+          <p:cNvPr id="36" name="Signature verification using machine learning…"/>
           <p:cNvSpPr txBox="1"/>
           <p:nvPr>
             <p:ph type="body" sz="half" idx="1"/>
@@ -2220,8 +2220,8 @@
         </p:nvSpPr>
         <p:spPr>
           <a:xfrm>
-            <a:off x="539749" y="4679949"/>
-            <a:ext cx="9180515" cy="2519365"/>
+            <a:off x="539750" y="4679950"/>
+            <a:ext cx="9180513" cy="2519363"/>
           </a:xfrm>
           <a:prstGeom prst="rect">
             <a:avLst/>
@@ -2231,7 +2231,7 @@
           <a:bodyPr/>
           <a:lstStyle/>
           <a:p>
-            <a:pPr marL="336550" indent="-333375">
+            <a:pPr marL="339725" indent="-336550">
               <a:tabLst>
                 <a:tab pos="342900" algn="l"/>
                 <a:tab pos="444500" algn="l"/>
@@ -2263,7 +2263,7 @@
             </a:r>
           </a:p>
           <a:p>
-            <a:pPr marL="336550" indent="-333375">
+            <a:pPr marL="339725" indent="-336550">
               <a:tabLst>
                 <a:tab pos="342900" algn="l"/>
                 <a:tab pos="444500" algn="l"/>
@@ -2292,7 +2292,7 @@
             </a:pPr>
           </a:p>
           <a:p>
-            <a:pPr marL="336550" indent="-333375">
+            <a:pPr marL="339725" indent="-336550">
               <a:tabLst>
                 <a:tab pos="342900" algn="l"/>
                 <a:tab pos="444500" algn="l"/>
@@ -2392,8 +2392,8 @@
         </p:nvSpPr>
         <p:spPr>
           <a:xfrm>
-            <a:off x="360362" y="360361"/>
-            <a:ext cx="9359901" cy="900114"/>
+            <a:off x="360362" y="360362"/>
+            <a:ext cx="9359901" cy="900113"/>
           </a:xfrm>
           <a:prstGeom prst="rect">
             <a:avLst/>
@@ -2437,7 +2437,7 @@
       </p:sp>
       <p:sp>
         <p:nvSpPr>
-          <p:cNvPr id="40" name="Need to build a machine learning model that can successfully verify signature images as belonging to specific known individuals…"/>
+          <p:cNvPr id="40" name="Need to build a machine learning model that can successfully recognize signature images as belonging to specific known individuals…"/>
           <p:cNvSpPr txBox="1"/>
           <p:nvPr>
             <p:ph type="subTitle" idx="1"/>
@@ -2445,8 +2445,8 @@
         </p:nvSpPr>
         <p:spPr>
           <a:xfrm>
-            <a:off x="360361" y="1979611"/>
-            <a:ext cx="9180515" cy="4679952"/>
+            <a:off x="360362" y="1979612"/>
+            <a:ext cx="9180513" cy="4679951"/>
           </a:xfrm>
           <a:prstGeom prst="rect">
             <a:avLst/>
@@ -2482,7 +2482,7 @@
               </a:tabLst>
             </a:pPr>
             <a:r>
-              <a:t>Need to build a machine learning model that can successfully verify signature images as belonging to specific known individuals</a:t>
+              <a:t>Need to build a machine learning model that can successfully recognize signature images as belonging to specific known individuals</a:t>
             </a:r>
           </a:p>
           <a:p>
@@ -2539,7 +2539,7 @@
               </a:tabLst>
             </a:pPr>
             <a:r>
-              <a:t>Data provided: few samples each of genuine signatures of 30 different individuals (to train the model) and few forged images (to test the model)</a:t>
+              <a:t>Data provided: few samples each of genuine signature samples of 40+ different individuals (to train the model) and forged signature samples (to test the model)</a:t>
             </a:r>
           </a:p>
         </p:txBody>
@@ -2611,8 +2611,8 @@
         </p:nvSpPr>
         <p:spPr>
           <a:xfrm>
-            <a:off x="360362" y="360361"/>
-            <a:ext cx="9359901" cy="900114"/>
+            <a:off x="360362" y="360362"/>
+            <a:ext cx="9359901" cy="900113"/>
           </a:xfrm>
           <a:prstGeom prst="rect">
             <a:avLst/>
@@ -2664,7 +2664,7 @@
         </p:nvSpPr>
         <p:spPr>
           <a:xfrm>
-            <a:off x="360362" y="1800225"/>
+            <a:off x="360362" y="1660525"/>
             <a:ext cx="9150351" cy="4970463"/>
           </a:xfrm>
           <a:prstGeom prst="rect">
@@ -2675,7 +2675,7 @@
           <a:bodyPr/>
           <a:lstStyle/>
           <a:p>
-            <a:pPr marL="0" indent="0" defTabSz="338326">
+            <a:pPr marL="0" indent="0" defTabSz="338327">
               <a:spcBef>
                 <a:spcPts val="800"/>
               </a:spcBef>
@@ -2702,14 +2702,14 @@
                 <a:tab pos="6502400" algn="l"/>
                 <a:tab pos="6756400" algn="l"/>
               </a:tabLst>
-              <a:defRPr sz="1900"/>
+              <a:defRPr sz="1924"/>
             </a:pPr>
             <a:r>
               <a:t>We have created one jupyter notebook hosted in Google Colab development environment (has GPU for acceleration) hosted on Google Drive. Solution is coded in python </a:t>
             </a:r>
           </a:p>
           <a:p>
-            <a:pPr marL="0" indent="0" defTabSz="338326">
+            <a:pPr marL="0" indent="0" defTabSz="338327">
               <a:spcBef>
                 <a:spcPts val="800"/>
               </a:spcBef>
@@ -2736,11 +2736,11 @@
                 <a:tab pos="6502400" algn="l"/>
                 <a:tab pos="6756400" algn="l"/>
               </a:tabLst>
-              <a:defRPr sz="1900"/>
+              <a:defRPr sz="1924"/>
             </a:pPr>
           </a:p>
           <a:p>
-            <a:pPr marL="0" indent="0" defTabSz="338326">
+            <a:pPr marL="0" indent="0" defTabSz="338327">
               <a:spcBef>
                 <a:spcPts val="800"/>
               </a:spcBef>
@@ -2767,7 +2767,7 @@
                 <a:tab pos="6502400" algn="l"/>
                 <a:tab pos="6756400" algn="l"/>
               </a:tabLst>
-              <a:defRPr i="1" sz="1900"/>
+              <a:defRPr i="1" sz="1924"/>
             </a:pPr>
             <a:r>
               <a:t>Image data extraction:</a:t>
@@ -2776,9 +2776,10 @@
               <a:rPr i="0"/>
               <a:t> Used opencv to convert image to a matrix of pixelwise RGB color data, image is resized, made smaller so that training can be done without runtime crashing</a:t>
             </a:r>
-          </a:p>
-          <a:p>
-            <a:pPr marL="0" indent="0" defTabSz="338326">
+            <a:endParaRPr i="0"/>
+          </a:p>
+          <a:p>
+            <a:pPr marL="0" indent="0" defTabSz="338327">
               <a:spcBef>
                 <a:spcPts val="800"/>
               </a:spcBef>
@@ -2805,11 +2806,11 @@
                 <a:tab pos="6502400" algn="l"/>
                 <a:tab pos="6756400" algn="l"/>
               </a:tabLst>
-              <a:defRPr sz="1900"/>
+              <a:defRPr sz="1924"/>
             </a:pPr>
           </a:p>
           <a:p>
-            <a:pPr marL="0" indent="0" defTabSz="338326">
+            <a:pPr marL="0" indent="0" defTabSz="338327">
               <a:spcBef>
                 <a:spcPts val="800"/>
               </a:spcBef>
@@ -2836,7 +2837,7 @@
                 <a:tab pos="6502400" algn="l"/>
                 <a:tab pos="6756400" algn="l"/>
               </a:tabLst>
-              <a:defRPr i="1" sz="1900"/>
+              <a:defRPr i="1" sz="1924"/>
             </a:pPr>
             <a:r>
               <a:t>ML training and prediction:</a:t>
@@ -2854,7 +2855,7 @@
               <a:t> person out of 4). The specific CNN model is inspired from handwriting recognition paper DeepWriter (</a:t>
             </a:r>
             <a:r>
-              <a:rPr i="0" sz="1600">
+              <a:rPr i="0" sz="1628">
                 <a:solidFill>
                   <a:srgbClr val="000000"/>
                 </a:solidFill>
@@ -2931,8 +2932,8 @@
         </p:nvSpPr>
         <p:spPr>
           <a:xfrm>
-            <a:off x="360362" y="360361"/>
-            <a:ext cx="9359901" cy="900114"/>
+            <a:off x="360362" y="360362"/>
+            <a:ext cx="9359901" cy="900113"/>
           </a:xfrm>
           <a:prstGeom prst="rect">
             <a:avLst/>
@@ -2964,7 +2965,7 @@
                 <a:tab pos="7632700" algn="l"/>
                 <a:tab pos="8039100" algn="l"/>
               </a:tabLst>
-              <a:defRPr sz="2800"/>
+              <a:defRPr sz="2816"/>
             </a:lvl1pPr>
           </a:lstStyle>
           <a:p>
@@ -3012,10 +3013,10 @@
         </p:nvGrpSpPr>
         <p:grpSpPr>
           <a:xfrm>
-            <a:off x="2147724" y="1887590"/>
-            <a:ext cx="965524" cy="715854"/>
+            <a:off x="2147725" y="1887590"/>
+            <a:ext cx="965525" cy="715857"/>
             <a:chOff x="0" y="0"/>
-            <a:chExt cx="965522" cy="715853"/>
+            <a:chExt cx="965524" cy="715855"/>
           </a:xfrm>
         </p:grpSpPr>
         <p:sp>
@@ -3027,7 +3028,7 @@
           <p:spPr>
             <a:xfrm>
               <a:off x="71599" y="38046"/>
-              <a:ext cx="822327" cy="639766"/>
+              <a:ext cx="822326" cy="639764"/>
             </a:xfrm>
             <a:prstGeom prst="rect">
               <a:avLst/>
@@ -3045,7 +3046,7 @@
             <a:effectLst/>
           </p:spPr>
           <p:txBody>
-            <a:bodyPr wrap="square" lIns="45718" tIns="45718" rIns="45718" bIns="45718" numCol="1" anchor="ctr">
+            <a:bodyPr wrap="square" lIns="45719" tIns="45719" rIns="45719" bIns="45719" numCol="1" anchor="ctr">
               <a:noAutofit/>
             </a:bodyPr>
             <a:lstStyle/>
@@ -3091,8 +3092,8 @@
           </p:nvSpPr>
           <p:spPr>
             <a:xfrm>
-              <a:off x="0" y="-1"/>
-              <a:ext cx="965523" cy="715855"/>
+              <a:off x="0" y="0"/>
+              <a:ext cx="965525" cy="715856"/>
             </a:xfrm>
             <a:prstGeom prst="rect">
               <a:avLst/>
@@ -3230,8 +3231,8 @@
         </p:nvSpPr>
         <p:spPr>
           <a:xfrm>
-            <a:off x="3303587" y="2366961"/>
-            <a:ext cx="1463677" cy="731839"/>
+            <a:off x="3303587" y="2366962"/>
+            <a:ext cx="1463676" cy="731838"/>
           </a:xfrm>
           <a:prstGeom prst="rect">
             <a:avLst/>
@@ -3246,7 +3247,7 @@
           </a:ln>
         </p:spPr>
         <p:txBody>
-          <a:bodyPr lIns="45718" tIns="45718" rIns="45718" bIns="45718" anchor="ctr"/>
+          <a:bodyPr lIns="45719" rIns="45719" anchor="ctr"/>
           <a:lstStyle/>
           <a:p>
             <a:pPr>
@@ -3268,8 +3269,8 @@
         </p:nvSpPr>
         <p:spPr>
           <a:xfrm>
-            <a:off x="3394075" y="2239961"/>
-            <a:ext cx="1463675" cy="731839"/>
+            <a:off x="3394075" y="2239962"/>
+            <a:ext cx="1463675" cy="731838"/>
           </a:xfrm>
           <a:prstGeom prst="rect">
             <a:avLst/>
@@ -3284,7 +3285,7 @@
           </a:ln>
         </p:spPr>
         <p:txBody>
-          <a:bodyPr lIns="45718" tIns="45718" rIns="45718" bIns="45718" anchor="ctr"/>
+          <a:bodyPr lIns="45719" rIns="45719" anchor="ctr"/>
           <a:lstStyle/>
           <a:p>
             <a:pPr>
@@ -3306,8 +3307,8 @@
         </p:nvSpPr>
         <p:spPr>
           <a:xfrm>
-            <a:off x="3486150" y="2147886"/>
-            <a:ext cx="1463675" cy="731839"/>
+            <a:off x="3486150" y="2147887"/>
+            <a:ext cx="1463675" cy="731838"/>
           </a:xfrm>
           <a:prstGeom prst="rect">
             <a:avLst/>
@@ -3322,7 +3323,7 @@
           </a:ln>
         </p:spPr>
         <p:txBody>
-          <a:bodyPr lIns="45718" tIns="45718" rIns="45718" bIns="45718" anchor="ctr"/>
+          <a:bodyPr lIns="45719" rIns="45719" anchor="ctr"/>
           <a:lstStyle/>
           <a:p>
             <a:pPr>
@@ -3345,9 +3346,9 @@
         <p:grpSpPr>
           <a:xfrm>
             <a:off x="3708400" y="1613683"/>
-            <a:ext cx="1463675" cy="979507"/>
+            <a:ext cx="1463675" cy="979509"/>
             <a:chOff x="0" y="0"/>
-            <a:chExt cx="1463675" cy="979506"/>
+            <a:chExt cx="1463675" cy="979507"/>
           </a:xfrm>
         </p:grpSpPr>
         <p:sp>
@@ -3359,7 +3360,7 @@
           <p:spPr>
             <a:xfrm>
               <a:off x="0" y="32554"/>
-              <a:ext cx="1463675" cy="914403"/>
+              <a:ext cx="1463675" cy="914401"/>
             </a:xfrm>
             <a:prstGeom prst="rect">
               <a:avLst/>
@@ -3377,7 +3378,7 @@
             <a:effectLst/>
           </p:spPr>
           <p:txBody>
-            <a:bodyPr wrap="square" lIns="45718" tIns="45718" rIns="45718" bIns="45718" numCol="1" anchor="ctr">
+            <a:bodyPr wrap="square" lIns="45719" tIns="45719" rIns="45719" bIns="45719" numCol="1" anchor="ctr">
               <a:noAutofit/>
             </a:bodyPr>
             <a:lstStyle/>
@@ -3424,7 +3425,7 @@
           <p:spPr>
             <a:xfrm>
               <a:off x="245624" y="0"/>
-              <a:ext cx="972425" cy="979507"/>
+              <a:ext cx="972427" cy="979508"/>
             </a:xfrm>
             <a:prstGeom prst="rect">
               <a:avLst/>
@@ -3597,10 +3598,10 @@
         </p:nvGrpSpPr>
         <p:grpSpPr>
           <a:xfrm>
-            <a:off x="5585576" y="1925636"/>
-            <a:ext cx="800182" cy="639764"/>
+            <a:off x="5585577" y="1925637"/>
+            <a:ext cx="800184" cy="639763"/>
             <a:chOff x="0" y="0"/>
-            <a:chExt cx="800181" cy="639763"/>
+            <a:chExt cx="800182" cy="639762"/>
           </a:xfrm>
         </p:grpSpPr>
         <p:sp>
@@ -3611,8 +3612,8 @@
           </p:nvSpPr>
           <p:spPr>
             <a:xfrm>
-              <a:off x="34172" y="-1"/>
-              <a:ext cx="731841" cy="639765"/>
+              <a:off x="34172" y="0"/>
+              <a:ext cx="731839" cy="639763"/>
             </a:xfrm>
             <a:prstGeom prst="rect">
               <a:avLst/>
@@ -3630,7 +3631,7 @@
             <a:effectLst/>
           </p:spPr>
           <p:txBody>
-            <a:bodyPr wrap="square" lIns="45718" tIns="45718" rIns="45718" bIns="45718" numCol="1" anchor="ctr">
+            <a:bodyPr wrap="square" lIns="45719" tIns="45719" rIns="45719" bIns="45719" numCol="1" anchor="ctr">
               <a:noAutofit/>
             </a:bodyPr>
             <a:lstStyle/>
@@ -3680,7 +3681,7 @@
           <p:spPr>
             <a:xfrm>
               <a:off x="0" y="67617"/>
-              <a:ext cx="800182" cy="504527"/>
+              <a:ext cx="800184" cy="504529"/>
             </a:xfrm>
             <a:prstGeom prst="rect">
               <a:avLst/>
@@ -3790,9 +3791,9 @@
         <p:grpSpPr>
           <a:xfrm>
             <a:off x="6611691" y="1887590"/>
-            <a:ext cx="1249853" cy="715854"/>
+            <a:ext cx="1249856" cy="715857"/>
             <a:chOff x="0" y="0"/>
-            <a:chExt cx="1249852" cy="715853"/>
+            <a:chExt cx="1249854" cy="715855"/>
           </a:xfrm>
         </p:grpSpPr>
         <p:sp>
@@ -3804,7 +3805,7 @@
           <p:spPr>
             <a:xfrm>
               <a:off x="141533" y="38046"/>
-              <a:ext cx="966791" cy="639766"/>
+              <a:ext cx="966789" cy="639764"/>
             </a:xfrm>
             <a:prstGeom prst="rect">
               <a:avLst/>
@@ -3822,7 +3823,7 @@
             <a:effectLst/>
           </p:spPr>
           <p:txBody>
-            <a:bodyPr wrap="square" lIns="45718" tIns="45718" rIns="45718" bIns="45718" numCol="1" anchor="ctr">
+            <a:bodyPr wrap="square" lIns="45719" tIns="45719" rIns="45719" bIns="45719" numCol="1" anchor="ctr">
               <a:noAutofit/>
             </a:bodyPr>
             <a:lstStyle/>
@@ -3868,8 +3869,8 @@
           </p:nvSpPr>
           <p:spPr>
             <a:xfrm>
-              <a:off x="0" y="-1"/>
-              <a:ext cx="1249853" cy="715855"/>
+              <a:off x="0" y="0"/>
+              <a:ext cx="1249855" cy="715856"/>
             </a:xfrm>
             <a:prstGeom prst="rect">
               <a:avLst/>
@@ -4007,8 +4008,8 @@
         </p:nvSpPr>
         <p:spPr>
           <a:xfrm>
-            <a:off x="7802561" y="2565399"/>
-            <a:ext cx="1463677" cy="731840"/>
+            <a:off x="7802562" y="2565400"/>
+            <a:ext cx="1463676" cy="731838"/>
           </a:xfrm>
           <a:prstGeom prst="rect">
             <a:avLst/>
@@ -4023,7 +4024,7 @@
           </a:ln>
         </p:spPr>
         <p:txBody>
-          <a:bodyPr lIns="45718" tIns="45718" rIns="45718" bIns="45718" anchor="ctr"/>
+          <a:bodyPr lIns="45719" rIns="45719" anchor="ctr"/>
           <a:lstStyle/>
           <a:p>
             <a:pPr>
@@ -4045,8 +4046,8 @@
         </p:nvSpPr>
         <p:spPr>
           <a:xfrm>
-            <a:off x="7893050" y="2438399"/>
-            <a:ext cx="1463675" cy="731840"/>
+            <a:off x="7893050" y="2438400"/>
+            <a:ext cx="1463675" cy="731838"/>
           </a:xfrm>
           <a:prstGeom prst="rect">
             <a:avLst/>
@@ -4061,7 +4062,7 @@
           </a:ln>
         </p:spPr>
         <p:txBody>
-          <a:bodyPr lIns="45718" tIns="45718" rIns="45718" bIns="45718" anchor="ctr"/>
+          <a:bodyPr lIns="45719" rIns="45719" anchor="ctr"/>
           <a:lstStyle/>
           <a:p>
             <a:pPr>
@@ -4083,8 +4084,8 @@
         </p:nvSpPr>
         <p:spPr>
           <a:xfrm>
-            <a:off x="7985125" y="2347911"/>
-            <a:ext cx="1463675" cy="731839"/>
+            <a:off x="7985125" y="2347912"/>
+            <a:ext cx="1463675" cy="731838"/>
           </a:xfrm>
           <a:prstGeom prst="rect">
             <a:avLst/>
@@ -4099,7 +4100,7 @@
           </a:ln>
         </p:spPr>
         <p:txBody>
-          <a:bodyPr lIns="45718" tIns="45718" rIns="45718" bIns="45718" anchor="ctr"/>
+          <a:bodyPr lIns="45719" rIns="45719" anchor="ctr"/>
           <a:lstStyle/>
           <a:p>
             <a:pPr>
@@ -4122,9 +4123,9 @@
         <p:grpSpPr>
           <a:xfrm>
             <a:off x="8207375" y="1813708"/>
-            <a:ext cx="1463675" cy="979507"/>
+            <a:ext cx="1463675" cy="979509"/>
             <a:chOff x="0" y="0"/>
-            <a:chExt cx="1463675" cy="979506"/>
+            <a:chExt cx="1463675" cy="979507"/>
           </a:xfrm>
         </p:grpSpPr>
         <p:sp>
@@ -4136,7 +4137,7 @@
           <p:spPr>
             <a:xfrm>
               <a:off x="0" y="32554"/>
-              <a:ext cx="1463675" cy="914403"/>
+              <a:ext cx="1463675" cy="914401"/>
             </a:xfrm>
             <a:prstGeom prst="rect">
               <a:avLst/>
@@ -4154,7 +4155,7 @@
             <a:effectLst/>
           </p:spPr>
           <p:txBody>
-            <a:bodyPr wrap="square" lIns="45718" tIns="45718" rIns="45718" bIns="45718" numCol="1" anchor="ctr">
+            <a:bodyPr wrap="square" lIns="45719" tIns="45719" rIns="45719" bIns="45719" numCol="1" anchor="ctr">
               <a:noAutofit/>
             </a:bodyPr>
             <a:lstStyle/>
@@ -4201,7 +4202,7 @@
           <p:spPr>
             <a:xfrm>
               <a:off x="245624" y="0"/>
-              <a:ext cx="972425" cy="979507"/>
+              <a:ext cx="972427" cy="979508"/>
             </a:xfrm>
             <a:prstGeom prst="rect">
               <a:avLst/>
@@ -4374,8 +4375,8 @@
         </p:nvSpPr>
         <p:spPr>
           <a:xfrm>
-            <a:off x="423861" y="4383087"/>
-            <a:ext cx="1463678" cy="731839"/>
+            <a:off x="423862" y="4383087"/>
+            <a:ext cx="1463676" cy="731838"/>
           </a:xfrm>
           <a:prstGeom prst="rect">
             <a:avLst/>
@@ -4390,7 +4391,7 @@
           </a:ln>
         </p:spPr>
         <p:txBody>
-          <a:bodyPr lIns="45718" tIns="45718" rIns="45718" bIns="45718" anchor="ctr"/>
+          <a:bodyPr lIns="45719" rIns="45719" anchor="ctr"/>
           <a:lstStyle/>
           <a:p>
             <a:pPr>
@@ -4413,7 +4414,7 @@
         <p:spPr>
           <a:xfrm>
             <a:off x="514350" y="4256087"/>
-            <a:ext cx="1463675" cy="731839"/>
+            <a:ext cx="1463675" cy="731838"/>
           </a:xfrm>
           <a:prstGeom prst="rect">
             <a:avLst/>
@@ -4428,7 +4429,7 @@
           </a:ln>
         </p:spPr>
         <p:txBody>
-          <a:bodyPr lIns="45718" tIns="45718" rIns="45718" bIns="45718" anchor="ctr"/>
+          <a:bodyPr lIns="45719" rIns="45719" anchor="ctr"/>
           <a:lstStyle/>
           <a:p>
             <a:pPr>
@@ -4451,7 +4452,7 @@
         <p:spPr>
           <a:xfrm>
             <a:off x="606425" y="4164012"/>
-            <a:ext cx="1463675" cy="731839"/>
+            <a:ext cx="1463675" cy="731838"/>
           </a:xfrm>
           <a:prstGeom prst="rect">
             <a:avLst/>
@@ -4466,7 +4467,7 @@
           </a:ln>
         </p:spPr>
         <p:txBody>
-          <a:bodyPr lIns="45718" tIns="45718" rIns="45718" bIns="45718" anchor="ctr"/>
+          <a:bodyPr lIns="45719" rIns="45719" anchor="ctr"/>
           <a:lstStyle/>
           <a:p>
             <a:pPr>
@@ -4488,10 +4489,10 @@
         </p:nvGrpSpPr>
         <p:grpSpPr>
           <a:xfrm>
-            <a:off x="828675" y="3629807"/>
-            <a:ext cx="1463675" cy="979507"/>
+            <a:off x="828675" y="3629808"/>
+            <a:ext cx="1463675" cy="979509"/>
             <a:chOff x="0" y="0"/>
-            <a:chExt cx="1463675" cy="979506"/>
+            <a:chExt cx="1463675" cy="979507"/>
           </a:xfrm>
         </p:grpSpPr>
         <p:sp>
@@ -4503,7 +4504,7 @@
           <p:spPr>
             <a:xfrm>
               <a:off x="0" y="32554"/>
-              <a:ext cx="1463675" cy="914403"/>
+              <a:ext cx="1463675" cy="914401"/>
             </a:xfrm>
             <a:prstGeom prst="rect">
               <a:avLst/>
@@ -4521,7 +4522,7 @@
             <a:effectLst/>
           </p:spPr>
           <p:txBody>
-            <a:bodyPr wrap="square" lIns="45718" tIns="45718" rIns="45718" bIns="45718" numCol="1" anchor="ctr">
+            <a:bodyPr wrap="square" lIns="45719" tIns="45719" rIns="45719" bIns="45719" numCol="1" anchor="ctr">
               <a:noAutofit/>
             </a:bodyPr>
             <a:lstStyle/>
@@ -4568,7 +4569,7 @@
           <p:spPr>
             <a:xfrm>
               <a:off x="245624" y="0"/>
-              <a:ext cx="972425" cy="979507"/>
+              <a:ext cx="972427" cy="979508"/>
             </a:xfrm>
             <a:prstGeom prst="rect">
               <a:avLst/>
@@ -4741,10 +4742,10 @@
         </p:nvGrpSpPr>
         <p:grpSpPr>
           <a:xfrm>
-            <a:off x="2669339" y="4086224"/>
-            <a:ext cx="800182" cy="639765"/>
+            <a:off x="2669339" y="4086225"/>
+            <a:ext cx="800184" cy="639763"/>
             <a:chOff x="0" y="0"/>
-            <a:chExt cx="800181" cy="639763"/>
+            <a:chExt cx="800182" cy="639762"/>
           </a:xfrm>
         </p:grpSpPr>
         <p:sp>
@@ -4755,8 +4756,8 @@
           </p:nvSpPr>
           <p:spPr>
             <a:xfrm>
-              <a:off x="34172" y="-1"/>
-              <a:ext cx="731841" cy="639765"/>
+              <a:off x="34172" y="0"/>
+              <a:ext cx="731839" cy="639763"/>
             </a:xfrm>
             <a:prstGeom prst="rect">
               <a:avLst/>
@@ -4774,7 +4775,7 @@
             <a:effectLst/>
           </p:spPr>
           <p:txBody>
-            <a:bodyPr wrap="square" lIns="45718" tIns="45718" rIns="45718" bIns="45718" numCol="1" anchor="ctr">
+            <a:bodyPr wrap="square" lIns="45719" tIns="45719" rIns="45719" bIns="45719" numCol="1" anchor="ctr">
               <a:noAutofit/>
             </a:bodyPr>
             <a:lstStyle/>
@@ -4824,7 +4825,7 @@
           <p:spPr>
             <a:xfrm>
               <a:off x="0" y="67617"/>
-              <a:ext cx="800182" cy="504527"/>
+              <a:ext cx="800184" cy="504529"/>
             </a:xfrm>
             <a:prstGeom prst="rect">
               <a:avLst/>
@@ -4934,9 +4935,9 @@
         <p:grpSpPr>
           <a:xfrm>
             <a:off x="3803403" y="4048178"/>
-            <a:ext cx="1249853" cy="715855"/>
+            <a:ext cx="1249856" cy="715857"/>
             <a:chOff x="0" y="0"/>
-            <a:chExt cx="1249852" cy="715853"/>
+            <a:chExt cx="1249854" cy="715855"/>
           </a:xfrm>
         </p:grpSpPr>
         <p:sp>
@@ -4948,7 +4949,7 @@
           <p:spPr>
             <a:xfrm>
               <a:off x="141533" y="38046"/>
-              <a:ext cx="966791" cy="639766"/>
+              <a:ext cx="966789" cy="639764"/>
             </a:xfrm>
             <a:prstGeom prst="rect">
               <a:avLst/>
@@ -4966,7 +4967,7 @@
             <a:effectLst/>
           </p:spPr>
           <p:txBody>
-            <a:bodyPr wrap="square" lIns="45718" tIns="45718" rIns="45718" bIns="45718" numCol="1" anchor="ctr">
+            <a:bodyPr wrap="square" lIns="45719" tIns="45719" rIns="45719" bIns="45719" numCol="1" anchor="ctr">
               <a:noAutofit/>
             </a:bodyPr>
             <a:lstStyle/>
@@ -5012,8 +5013,8 @@
           </p:nvSpPr>
           <p:spPr>
             <a:xfrm>
-              <a:off x="0" y="-1"/>
-              <a:ext cx="1249853" cy="715855"/>
+              <a:off x="0" y="0"/>
+              <a:ext cx="1249855" cy="715856"/>
             </a:xfrm>
             <a:prstGeom prst="rect">
               <a:avLst/>
@@ -5152,9 +5153,9 @@
         <p:grpSpPr>
           <a:xfrm>
             <a:off x="5279521" y="4176712"/>
-            <a:ext cx="607431" cy="365127"/>
+            <a:ext cx="607433" cy="365126"/>
             <a:chOff x="0" y="0"/>
-            <a:chExt cx="607429" cy="365126"/>
+            <a:chExt cx="607431" cy="365125"/>
           </a:xfrm>
         </p:grpSpPr>
         <p:sp>
@@ -5165,8 +5166,8 @@
           </p:nvSpPr>
           <p:spPr>
             <a:xfrm>
-              <a:off x="29078" y="-1"/>
-              <a:ext cx="549278" cy="365128"/>
+              <a:off x="29078" y="0"/>
+              <a:ext cx="549276" cy="365125"/>
             </a:xfrm>
             <a:prstGeom prst="rect">
               <a:avLst/>
@@ -5184,7 +5185,7 @@
             <a:effectLst/>
           </p:spPr>
           <p:txBody>
-            <a:bodyPr wrap="square" lIns="45718" tIns="45718" rIns="45718" bIns="45718" numCol="1" anchor="ctr">
+            <a:bodyPr wrap="square" lIns="45719" tIns="45719" rIns="45719" bIns="45719" numCol="1" anchor="ctr">
               <a:noAutofit/>
             </a:bodyPr>
             <a:lstStyle/>
@@ -5231,7 +5232,7 @@
           <p:spPr>
             <a:xfrm>
               <a:off x="0" y="35962"/>
-              <a:ext cx="607430" cy="293199"/>
+              <a:ext cx="607432" cy="293201"/>
             </a:xfrm>
             <a:prstGeom prst="rect">
               <a:avLst/>
@@ -5301,10 +5302,10 @@
         </p:nvGrpSpPr>
         <p:grpSpPr>
           <a:xfrm>
-            <a:off x="6185148" y="4176712"/>
-            <a:ext cx="690062" cy="365127"/>
+            <a:off x="6185149" y="4176712"/>
+            <a:ext cx="690064" cy="365126"/>
             <a:chOff x="0" y="0"/>
-            <a:chExt cx="690060" cy="365126"/>
+            <a:chExt cx="690062" cy="365125"/>
           </a:xfrm>
         </p:grpSpPr>
         <p:sp>
@@ -5315,8 +5316,8 @@
           </p:nvSpPr>
           <p:spPr>
             <a:xfrm>
-              <a:off x="25150" y="-1"/>
-              <a:ext cx="639765" cy="365128"/>
+              <a:off x="25150" y="0"/>
+              <a:ext cx="639763" cy="365125"/>
             </a:xfrm>
             <a:prstGeom prst="rect">
               <a:avLst/>
@@ -5334,7 +5335,7 @@
             <a:effectLst/>
           </p:spPr>
           <p:txBody>
-            <a:bodyPr wrap="square" lIns="45718" tIns="45718" rIns="45718" bIns="45718" numCol="1" anchor="ctr">
+            <a:bodyPr wrap="square" lIns="45719" tIns="45719" rIns="45719" bIns="45719" numCol="1" anchor="ctr">
               <a:noAutofit/>
             </a:bodyPr>
             <a:lstStyle/>
@@ -5380,8 +5381,8 @@
           </p:nvSpPr>
           <p:spPr>
             <a:xfrm>
-              <a:off x="-1" y="35962"/>
-              <a:ext cx="690062" cy="293199"/>
+              <a:off x="0" y="35962"/>
+              <a:ext cx="690063" cy="293201"/>
             </a:xfrm>
             <a:prstGeom prst="rect">
               <a:avLst/>
@@ -5467,7 +5468,7 @@
           </a:ln>
         </p:spPr>
         <p:txBody>
-          <a:bodyPr lIns="45718" tIns="45718" rIns="45718" bIns="45718" anchor="ctr"/>
+          <a:bodyPr lIns="45719" rIns="45719" anchor="ctr"/>
           <a:lstStyle/>
           <a:p>
             <a:pPr>
@@ -5489,8 +5490,8 @@
         </p:nvSpPr>
         <p:spPr>
           <a:xfrm>
-            <a:off x="7213599" y="3582987"/>
-            <a:ext cx="274640" cy="274639"/>
+            <a:off x="7213600" y="3582987"/>
+            <a:ext cx="274638" cy="274638"/>
           </a:xfrm>
           <a:prstGeom prst="ellipse">
             <a:avLst/>
@@ -5505,7 +5506,7 @@
           </a:ln>
         </p:spPr>
         <p:txBody>
-          <a:bodyPr lIns="45718" tIns="45718" rIns="45718" bIns="45718" anchor="ctr"/>
+          <a:bodyPr lIns="45719" rIns="45719" anchor="ctr"/>
           <a:lstStyle/>
           <a:p>
             <a:pPr>
@@ -5527,8 +5528,8 @@
         </p:nvSpPr>
         <p:spPr>
           <a:xfrm>
-            <a:off x="7226299" y="4270374"/>
-            <a:ext cx="274640" cy="274640"/>
+            <a:off x="7226300" y="4270375"/>
+            <a:ext cx="274638" cy="274638"/>
           </a:xfrm>
           <a:prstGeom prst="ellipse">
             <a:avLst/>
@@ -5543,7 +5544,7 @@
           </a:ln>
         </p:spPr>
         <p:txBody>
-          <a:bodyPr lIns="45718" tIns="45718" rIns="45718" bIns="45718" anchor="ctr"/>
+          <a:bodyPr lIns="45719" rIns="45719" anchor="ctr"/>
           <a:lstStyle/>
           <a:p>
             <a:pPr>
@@ -5565,8 +5566,8 @@
         </p:nvSpPr>
         <p:spPr>
           <a:xfrm rot="21300000">
-            <a:off x="7237411" y="3922712"/>
-            <a:ext cx="263527" cy="279403"/>
+            <a:off x="7237412" y="3922712"/>
+            <a:ext cx="263526" cy="279401"/>
           </a:xfrm>
           <a:prstGeom prst="ellipse">
             <a:avLst/>
@@ -5581,7 +5582,7 @@
           </a:ln>
         </p:spPr>
         <p:txBody>
-          <a:bodyPr lIns="45718" tIns="45718" rIns="45718" bIns="45718" anchor="ctr"/>
+          <a:bodyPr lIns="45719" rIns="45719" anchor="ctr"/>
           <a:lstStyle/>
           <a:p>
             <a:pPr>
@@ -5603,8 +5604,8 @@
         </p:nvSpPr>
         <p:spPr>
           <a:xfrm>
-            <a:off x="7226299" y="5099049"/>
-            <a:ext cx="274640" cy="274640"/>
+            <a:off x="7226300" y="5099050"/>
+            <a:ext cx="274638" cy="274638"/>
           </a:xfrm>
           <a:prstGeom prst="ellipse">
             <a:avLst/>
@@ -5619,7 +5620,7 @@
           </a:ln>
         </p:spPr>
         <p:txBody>
-          <a:bodyPr lIns="45718" tIns="45718" rIns="45718" bIns="45718" anchor="ctr"/>
+          <a:bodyPr lIns="45719" rIns="45719" anchor="ctr"/>
           <a:lstStyle/>
           <a:p>
             <a:pPr>
@@ -5641,10 +5642,10 @@
         </p:nvGrpSpPr>
         <p:grpSpPr>
           <a:xfrm>
-            <a:off x="8657388" y="4103687"/>
-            <a:ext cx="800182" cy="639764"/>
+            <a:off x="8657389" y="4103687"/>
+            <a:ext cx="800184" cy="639763"/>
             <a:chOff x="0" y="0"/>
-            <a:chExt cx="800181" cy="639763"/>
+            <a:chExt cx="800182" cy="639762"/>
           </a:xfrm>
         </p:grpSpPr>
         <p:sp>
@@ -5655,8 +5656,8 @@
           </p:nvSpPr>
           <p:spPr>
             <a:xfrm>
-              <a:off x="34172" y="-1"/>
-              <a:ext cx="731841" cy="639765"/>
+              <a:off x="34172" y="0"/>
+              <a:ext cx="731839" cy="639763"/>
             </a:xfrm>
             <a:prstGeom prst="rect">
               <a:avLst/>
@@ -5674,7 +5675,7 @@
             <a:effectLst/>
           </p:spPr>
           <p:txBody>
-            <a:bodyPr wrap="square" lIns="45718" tIns="45718" rIns="45718" bIns="45718" numCol="1" anchor="ctr">
+            <a:bodyPr wrap="square" lIns="45719" tIns="45719" rIns="45719" bIns="45719" numCol="1" anchor="ctr">
               <a:noAutofit/>
             </a:bodyPr>
             <a:lstStyle/>
@@ -5724,7 +5725,7 @@
           <p:spPr>
             <a:xfrm>
               <a:off x="0" y="67617"/>
-              <a:ext cx="800182" cy="504527"/>
+              <a:ext cx="800184" cy="504529"/>
             </a:xfrm>
             <a:prstGeom prst="rect">
               <a:avLst/>
@@ -5833,10 +5834,10 @@
         </p:nvGrpSpPr>
         <p:grpSpPr>
           <a:xfrm>
-            <a:off x="3761539" y="5759449"/>
-            <a:ext cx="800182" cy="639765"/>
+            <a:off x="3761539" y="5759450"/>
+            <a:ext cx="800184" cy="639763"/>
             <a:chOff x="0" y="0"/>
-            <a:chExt cx="800181" cy="639763"/>
+            <a:chExt cx="800182" cy="639762"/>
           </a:xfrm>
         </p:grpSpPr>
         <p:sp>
@@ -5847,8 +5848,8 @@
           </p:nvSpPr>
           <p:spPr>
             <a:xfrm>
-              <a:off x="34172" y="-1"/>
-              <a:ext cx="731841" cy="639765"/>
+              <a:off x="34172" y="0"/>
+              <a:ext cx="731839" cy="639763"/>
             </a:xfrm>
             <a:prstGeom prst="rect">
               <a:avLst/>
@@ -5866,7 +5867,7 @@
             <a:effectLst/>
           </p:spPr>
           <p:txBody>
-            <a:bodyPr wrap="square" lIns="45718" tIns="45718" rIns="45718" bIns="45718" numCol="1" anchor="ctr">
+            <a:bodyPr wrap="square" lIns="45719" tIns="45719" rIns="45719" bIns="45719" numCol="1" anchor="ctr">
               <a:noAutofit/>
             </a:bodyPr>
             <a:lstStyle/>
@@ -5916,7 +5917,7 @@
           <p:spPr>
             <a:xfrm>
               <a:off x="0" y="67617"/>
-              <a:ext cx="800182" cy="504527"/>
+              <a:ext cx="800184" cy="504529"/>
             </a:xfrm>
             <a:prstGeom prst="rect">
               <a:avLst/>
@@ -6026,9 +6027,9 @@
         <p:grpSpPr>
           <a:xfrm>
             <a:off x="4888162" y="5903912"/>
-            <a:ext cx="690061" cy="365127"/>
+            <a:ext cx="690064" cy="365126"/>
             <a:chOff x="0" y="0"/>
-            <a:chExt cx="690060" cy="365126"/>
+            <a:chExt cx="690062" cy="365125"/>
           </a:xfrm>
         </p:grpSpPr>
         <p:sp>
@@ -6039,8 +6040,8 @@
           </p:nvSpPr>
           <p:spPr>
             <a:xfrm>
-              <a:off x="25150" y="-1"/>
-              <a:ext cx="639765" cy="365128"/>
+              <a:off x="25150" y="0"/>
+              <a:ext cx="639763" cy="365125"/>
             </a:xfrm>
             <a:prstGeom prst="rect">
               <a:avLst/>
@@ -6058,7 +6059,7 @@
             <a:effectLst/>
           </p:spPr>
           <p:txBody>
-            <a:bodyPr wrap="square" lIns="45718" tIns="45718" rIns="45718" bIns="45718" numCol="1" anchor="ctr">
+            <a:bodyPr wrap="square" lIns="45719" tIns="45719" rIns="45719" bIns="45719" numCol="1" anchor="ctr">
               <a:noAutofit/>
             </a:bodyPr>
             <a:lstStyle/>
@@ -6104,8 +6105,8 @@
           </p:nvSpPr>
           <p:spPr>
             <a:xfrm>
-              <a:off x="-1" y="35962"/>
-              <a:ext cx="690062" cy="293199"/>
+              <a:off x="0" y="35962"/>
+              <a:ext cx="690063" cy="293201"/>
             </a:xfrm>
             <a:prstGeom prst="rect">
               <a:avLst/>
@@ -6176,7 +6177,7 @@
         <p:spPr>
           <a:xfrm>
             <a:off x="1812925" y="2285999"/>
-            <a:ext cx="438151" cy="1590"/>
+            <a:ext cx="438150" cy="1589"/>
           </a:xfrm>
           <a:prstGeom prst="line">
             <a:avLst/>
@@ -6189,7 +6190,7 @@
           </a:ln>
         </p:spPr>
         <p:txBody>
-          <a:bodyPr lIns="45718" tIns="45718" rIns="45718" bIns="45718"/>
+          <a:bodyPr lIns="45719" rIns="45719"/>
           <a:lstStyle/>
           <a:p>
             <a:pPr/>
@@ -6204,8 +6205,8 @@
         </p:nvSpPr>
         <p:spPr>
           <a:xfrm>
-            <a:off x="2970211" y="2274886"/>
-            <a:ext cx="442914" cy="1589"/>
+            <a:off x="2970212" y="2274887"/>
+            <a:ext cx="442913" cy="1588"/>
           </a:xfrm>
           <a:prstGeom prst="line">
             <a:avLst/>
@@ -6218,7 +6219,7 @@
           </a:ln>
         </p:spPr>
         <p:txBody>
-          <a:bodyPr lIns="45718" tIns="45718" rIns="45718" bIns="45718"/>
+          <a:bodyPr lIns="45719" rIns="45719"/>
           <a:lstStyle/>
           <a:p>
             <a:pPr/>
@@ -6234,7 +6235,7 @@
         <p:spPr>
           <a:xfrm>
             <a:off x="5172075" y="2247900"/>
-            <a:ext cx="447676" cy="1589"/>
+            <a:ext cx="447675" cy="1588"/>
           </a:xfrm>
           <a:prstGeom prst="line">
             <a:avLst/>
@@ -6247,7 +6248,7 @@
           </a:ln>
         </p:spPr>
         <p:txBody>
-          <a:bodyPr lIns="45718" tIns="45718" rIns="45718" bIns="45718"/>
+          <a:bodyPr lIns="45719" rIns="45719"/>
           <a:lstStyle/>
           <a:p>
             <a:pPr/>
@@ -6263,7 +6264,7 @@
         <p:spPr>
           <a:xfrm>
             <a:off x="6351587" y="2285999"/>
-            <a:ext cx="401639" cy="1590"/>
+            <a:ext cx="401638" cy="1589"/>
           </a:xfrm>
           <a:prstGeom prst="line">
             <a:avLst/>
@@ -6276,7 +6277,7 @@
           </a:ln>
         </p:spPr>
         <p:txBody>
-          <a:bodyPr lIns="45718" tIns="45718" rIns="45718" bIns="45718"/>
+          <a:bodyPr lIns="45719" rIns="45719"/>
           <a:lstStyle/>
           <a:p>
             <a:pPr/>
@@ -6291,10 +6292,10 @@
         </p:nvGrpSpPr>
         <p:grpSpPr>
           <a:xfrm>
-            <a:off x="2147724" y="1887590"/>
-            <a:ext cx="965524" cy="715854"/>
+            <a:off x="2147725" y="1887590"/>
+            <a:ext cx="965525" cy="715857"/>
             <a:chOff x="0" y="0"/>
-            <a:chExt cx="965522" cy="715853"/>
+            <a:chExt cx="965524" cy="715855"/>
           </a:xfrm>
         </p:grpSpPr>
         <p:sp>
@@ -6306,7 +6307,7 @@
           <p:spPr>
             <a:xfrm>
               <a:off x="71599" y="38046"/>
-              <a:ext cx="822327" cy="639766"/>
+              <a:ext cx="822326" cy="639764"/>
             </a:xfrm>
             <a:prstGeom prst="rect">
               <a:avLst/>
@@ -6324,7 +6325,7 @@
             <a:effectLst/>
           </p:spPr>
           <p:txBody>
-            <a:bodyPr wrap="square" lIns="45718" tIns="45718" rIns="45718" bIns="45718" numCol="1" anchor="ctr">
+            <a:bodyPr wrap="square" lIns="45719" tIns="45719" rIns="45719" bIns="45719" numCol="1" anchor="ctr">
               <a:noAutofit/>
             </a:bodyPr>
             <a:lstStyle/>
@@ -6370,8 +6371,8 @@
           </p:nvSpPr>
           <p:spPr>
             <a:xfrm>
-              <a:off x="0" y="-1"/>
-              <a:ext cx="965523" cy="715855"/>
+              <a:off x="0" y="0"/>
+              <a:ext cx="965525" cy="715856"/>
             </a:xfrm>
             <a:prstGeom prst="rect">
               <a:avLst/>
@@ -6509,8 +6510,8 @@
         </p:nvSpPr>
         <p:spPr>
           <a:xfrm>
-            <a:off x="7720011" y="2193924"/>
-            <a:ext cx="487365" cy="1590"/>
+            <a:off x="7720012" y="2193924"/>
+            <a:ext cx="487364" cy="1589"/>
           </a:xfrm>
           <a:prstGeom prst="line">
             <a:avLst/>
@@ -6523,7 +6524,7 @@
           </a:ln>
         </p:spPr>
         <p:txBody>
-          <a:bodyPr lIns="45718" tIns="45718" rIns="45718" bIns="45718"/>
+          <a:bodyPr lIns="45719" rIns="45719"/>
           <a:lstStyle/>
           <a:p>
             <a:pPr/>
@@ -6532,14 +6533,14 @@
       </p:sp>
       <p:sp>
         <p:nvSpPr>
-          <p:cNvPr id="110" name="Connection Line"/>
+          <p:cNvPr id="193" name="Connection Line"/>
           <p:cNvSpPr/>
           <p:nvPr/>
         </p:nvSpPr>
         <p:spPr>
           <a:xfrm>
             <a:off x="1559560" y="2302510"/>
-            <a:ext cx="8369301" cy="1327151"/>
+            <a:ext cx="8369300" cy="1327150"/>
           </a:xfrm>
           <a:custGeom>
             <a:avLst/>
@@ -6588,7 +6589,7 @@
           </a:ln>
         </p:spPr>
         <p:txBody>
-          <a:bodyPr lIns="45718" tIns="45718" rIns="45718" bIns="45718"/>
+          <a:bodyPr/>
           <a:lstStyle/>
           <a:p>
             <a:pPr/>
@@ -6604,7 +6605,7 @@
         <p:spPr>
           <a:xfrm>
             <a:off x="2292349" y="4389437"/>
-            <a:ext cx="411165" cy="1589"/>
+            <a:ext cx="411164" cy="1588"/>
           </a:xfrm>
           <a:prstGeom prst="line">
             <a:avLst/>
@@ -6617,7 +6618,7 @@
           </a:ln>
         </p:spPr>
         <p:txBody>
-          <a:bodyPr lIns="45718" tIns="45718" rIns="45718" bIns="45718"/>
+          <a:bodyPr lIns="45719" rIns="45719"/>
           <a:lstStyle/>
           <a:p>
             <a:pPr/>
@@ -6633,7 +6634,7 @@
         <p:spPr>
           <a:xfrm>
             <a:off x="3435350" y="4389437"/>
-            <a:ext cx="509589" cy="1589"/>
+            <a:ext cx="509588" cy="1588"/>
           </a:xfrm>
           <a:prstGeom prst="line">
             <a:avLst/>
@@ -6646,7 +6647,7 @@
           </a:ln>
         </p:spPr>
         <p:txBody>
-          <a:bodyPr lIns="45718" tIns="45718" rIns="45718" bIns="45718"/>
+          <a:bodyPr lIns="45719" rIns="45719"/>
           <a:lstStyle/>
           <a:p>
             <a:pPr/>
@@ -6662,7 +6663,7 @@
         <p:spPr>
           <a:xfrm>
             <a:off x="4911725" y="4389437"/>
-            <a:ext cx="396876" cy="1589"/>
+            <a:ext cx="396875" cy="1588"/>
           </a:xfrm>
           <a:prstGeom prst="line">
             <a:avLst/>
@@ -6675,7 +6676,7 @@
           </a:ln>
         </p:spPr>
         <p:txBody>
-          <a:bodyPr lIns="45718" tIns="45718" rIns="45718" bIns="45718"/>
+          <a:bodyPr lIns="45719" rIns="45719"/>
           <a:lstStyle/>
           <a:p>
             <a:pPr/>
@@ -6691,7 +6692,7 @@
         <p:spPr>
           <a:xfrm>
             <a:off x="5857875" y="4389437"/>
-            <a:ext cx="352427" cy="1589"/>
+            <a:ext cx="352426" cy="1588"/>
           </a:xfrm>
           <a:prstGeom prst="line">
             <a:avLst/>
@@ -6704,7 +6705,7 @@
           </a:ln>
         </p:spPr>
         <p:txBody>
-          <a:bodyPr lIns="45718" tIns="45718" rIns="45718" bIns="45718"/>
+          <a:bodyPr lIns="45719" rIns="45719"/>
           <a:lstStyle/>
           <a:p>
             <a:pPr/>
@@ -6719,8 +6720,8 @@
         </p:nvSpPr>
         <p:spPr>
           <a:xfrm>
-            <a:off x="6850061" y="4389437"/>
-            <a:ext cx="338139" cy="1589"/>
+            <a:off x="6850062" y="4389437"/>
+            <a:ext cx="338138" cy="1588"/>
           </a:xfrm>
           <a:prstGeom prst="line">
             <a:avLst/>
@@ -6733,7 +6734,7 @@
           </a:ln>
         </p:spPr>
         <p:txBody>
-          <a:bodyPr lIns="45718" tIns="45718" rIns="45718" bIns="45718"/>
+          <a:bodyPr lIns="45719" rIns="45719"/>
           <a:lstStyle/>
           <a:p>
             <a:pPr/>
@@ -6749,7 +6750,7 @@
         <p:spPr>
           <a:xfrm>
             <a:off x="8137525" y="4479925"/>
-            <a:ext cx="554039" cy="1589"/>
+            <a:ext cx="554038" cy="1588"/>
           </a:xfrm>
           <a:prstGeom prst="line">
             <a:avLst/>
@@ -6762,7 +6763,7 @@
           </a:ln>
         </p:spPr>
         <p:txBody>
-          <a:bodyPr lIns="45718" tIns="45718" rIns="45718" bIns="45718"/>
+          <a:bodyPr lIns="45719" rIns="45719"/>
           <a:lstStyle/>
           <a:p>
             <a:pPr/>
@@ -6771,14 +6772,14 @@
       </p:sp>
       <p:sp>
         <p:nvSpPr>
-          <p:cNvPr id="117" name="Connection Line"/>
+          <p:cNvPr id="194" name="Connection Line"/>
           <p:cNvSpPr/>
           <p:nvPr/>
         </p:nvSpPr>
         <p:spPr>
           <a:xfrm>
             <a:off x="2827020" y="3869690"/>
-            <a:ext cx="6883401" cy="1297941"/>
+            <a:ext cx="6883400" cy="1297940"/>
           </a:xfrm>
           <a:custGeom>
             <a:avLst/>
@@ -6827,7 +6828,7 @@
           </a:ln>
         </p:spPr>
         <p:txBody>
-          <a:bodyPr lIns="45718" tIns="45718" rIns="45718" bIns="45718"/>
+          <a:bodyPr/>
           <a:lstStyle/>
           <a:p>
             <a:pPr/>
@@ -6843,7 +6844,7 @@
         <p:spPr>
           <a:xfrm>
             <a:off x="3311525" y="6126162"/>
-            <a:ext cx="484188" cy="1589"/>
+            <a:ext cx="484188" cy="1588"/>
           </a:xfrm>
           <a:prstGeom prst="line">
             <a:avLst/>
@@ -6856,7 +6857,7 @@
           </a:ln>
         </p:spPr>
         <p:txBody>
-          <a:bodyPr lIns="45718" tIns="45718" rIns="45718" bIns="45718"/>
+          <a:bodyPr lIns="45719" rIns="45719"/>
           <a:lstStyle/>
           <a:p>
             <a:pPr/>
@@ -6871,8 +6872,8 @@
         </p:nvSpPr>
         <p:spPr>
           <a:xfrm>
-            <a:off x="4527549" y="6126162"/>
-            <a:ext cx="387352" cy="1589"/>
+            <a:off x="4527550" y="6126162"/>
+            <a:ext cx="387351" cy="1588"/>
           </a:xfrm>
           <a:prstGeom prst="line">
             <a:avLst/>
@@ -6885,7 +6886,7 @@
           </a:ln>
         </p:spPr>
         <p:txBody>
-          <a:bodyPr lIns="45718" tIns="45718" rIns="45718" bIns="45718"/>
+          <a:bodyPr lIns="45719" rIns="45719"/>
           <a:lstStyle/>
           <a:p>
             <a:pPr/>
@@ -6901,7 +6902,7 @@
         <p:spPr>
           <a:xfrm>
             <a:off x="5554662" y="6126162"/>
-            <a:ext cx="287340" cy="1589"/>
+            <a:ext cx="287339" cy="1588"/>
           </a:xfrm>
           <a:prstGeom prst="line">
             <a:avLst/>
@@ -6914,7 +6915,7 @@
           </a:ln>
         </p:spPr>
         <p:txBody>
-          <a:bodyPr lIns="45718" tIns="45718" rIns="45718" bIns="45718"/>
+          <a:bodyPr lIns="45719" rIns="45719"/>
           <a:lstStyle/>
           <a:p>
             <a:pPr/>
@@ -6930,7 +6931,7 @@
         <p:spPr>
           <a:xfrm>
             <a:off x="6804025" y="6126162"/>
-            <a:ext cx="412751" cy="1589"/>
+            <a:ext cx="412750" cy="1588"/>
           </a:xfrm>
           <a:prstGeom prst="line">
             <a:avLst/>
@@ -6943,7 +6944,7 @@
           </a:ln>
         </p:spPr>
         <p:txBody>
-          <a:bodyPr lIns="45718" tIns="45718" rIns="45718" bIns="45718"/>
+          <a:bodyPr lIns="45719" rIns="45719"/>
           <a:lstStyle/>
           <a:p>
             <a:pPr/>
@@ -6958,8 +6959,8 @@
         </p:nvSpPr>
         <p:spPr>
           <a:xfrm>
-            <a:off x="7277099" y="4422774"/>
-            <a:ext cx="274640" cy="637623"/>
+            <a:off x="7277100" y="4422775"/>
+            <a:ext cx="274638" cy="637624"/>
           </a:xfrm>
           <a:prstGeom prst="rect">
             <a:avLst/>
@@ -7093,8 +7094,8 @@
         </p:nvSpPr>
         <p:spPr>
           <a:xfrm>
-            <a:off x="7529511" y="6821486"/>
-            <a:ext cx="2560639" cy="504527"/>
+            <a:off x="7529512" y="6821487"/>
+            <a:ext cx="2560638" cy="504529"/>
           </a:xfrm>
           <a:prstGeom prst="rect">
             <a:avLst/>
@@ -7161,7 +7162,7 @@
         <p:spPr>
           <a:xfrm>
             <a:off x="219075" y="3000375"/>
-            <a:ext cx="1828800" cy="369399"/>
+            <a:ext cx="1828800" cy="369401"/>
           </a:xfrm>
           <a:prstGeom prst="rect">
             <a:avLst/>
@@ -7228,7 +7229,7 @@
         <p:spPr>
           <a:xfrm>
             <a:off x="7829550" y="6126162"/>
-            <a:ext cx="412751" cy="1589"/>
+            <a:ext cx="412750" cy="1588"/>
           </a:xfrm>
           <a:prstGeom prst="line">
             <a:avLst/>
@@ -7241,7 +7242,7 @@
           </a:ln>
         </p:spPr>
         <p:txBody>
-          <a:bodyPr lIns="45718" tIns="45718" rIns="45718" bIns="45718"/>
+          <a:bodyPr lIns="45719" rIns="45719"/>
           <a:lstStyle/>
           <a:p>
             <a:pPr/>
@@ -7257,7 +7258,7 @@
         <p:spPr>
           <a:xfrm>
             <a:off x="8118475" y="5907087"/>
-            <a:ext cx="2044700" cy="659975"/>
+            <a:ext cx="2044700" cy="659977"/>
           </a:xfrm>
           <a:prstGeom prst="rect">
             <a:avLst/>
@@ -7324,7 +7325,7 @@
         <p:spPr>
           <a:xfrm>
             <a:off x="8197849" y="3311525"/>
-            <a:ext cx="1319215" cy="754970"/>
+            <a:ext cx="1319214" cy="754972"/>
           </a:xfrm>
           <a:prstGeom prst="rect">
             <a:avLst/>
@@ -7459,7 +7460,7 @@
         <p:spPr>
           <a:xfrm>
             <a:off x="3255962" y="5078412"/>
-            <a:ext cx="1319215" cy="754971"/>
+            <a:ext cx="1319214" cy="754973"/>
           </a:xfrm>
           <a:prstGeom prst="rect">
             <a:avLst/>
@@ -7594,7 +7595,7 @@
         <p:spPr>
           <a:xfrm>
             <a:off x="4557712" y="5073650"/>
-            <a:ext cx="1319215" cy="754970"/>
+            <a:ext cx="1319214" cy="754972"/>
           </a:xfrm>
           <a:prstGeom prst="rect">
             <a:avLst/>
@@ -7728,8 +7729,8 @@
         </p:nvSpPr>
         <p:spPr>
           <a:xfrm>
-            <a:off x="7764461" y="3582987"/>
-            <a:ext cx="274639" cy="274639"/>
+            <a:off x="7764462" y="3582987"/>
+            <a:ext cx="274638" cy="274638"/>
           </a:xfrm>
           <a:prstGeom prst="ellipse">
             <a:avLst/>
@@ -7744,7 +7745,7 @@
           </a:ln>
         </p:spPr>
         <p:txBody>
-          <a:bodyPr lIns="45718" tIns="45718" rIns="45718" bIns="45718" anchor="ctr"/>
+          <a:bodyPr lIns="45719" rIns="45719" anchor="ctr"/>
           <a:lstStyle/>
           <a:p>
             <a:pPr>
@@ -7766,8 +7767,8 @@
         </p:nvSpPr>
         <p:spPr>
           <a:xfrm>
-            <a:off x="7777161" y="4270374"/>
-            <a:ext cx="274639" cy="274640"/>
+            <a:off x="7777162" y="4270375"/>
+            <a:ext cx="274638" cy="274638"/>
           </a:xfrm>
           <a:prstGeom prst="ellipse">
             <a:avLst/>
@@ -7782,7 +7783,7 @@
           </a:ln>
         </p:spPr>
         <p:txBody>
-          <a:bodyPr lIns="45718" tIns="45718" rIns="45718" bIns="45718" anchor="ctr"/>
+          <a:bodyPr lIns="45719" rIns="45719" anchor="ctr"/>
           <a:lstStyle/>
           <a:p>
             <a:pPr>
@@ -7804,8 +7805,8 @@
         </p:nvSpPr>
         <p:spPr>
           <a:xfrm>
-            <a:off x="7777161" y="3940174"/>
-            <a:ext cx="274639" cy="274640"/>
+            <a:off x="7777162" y="3940175"/>
+            <a:ext cx="274638" cy="274638"/>
           </a:xfrm>
           <a:prstGeom prst="ellipse">
             <a:avLst/>
@@ -7820,7 +7821,7 @@
           </a:ln>
         </p:spPr>
         <p:txBody>
-          <a:bodyPr lIns="45718" tIns="45718" rIns="45718" bIns="45718" anchor="ctr"/>
+          <a:bodyPr lIns="45719" rIns="45719" anchor="ctr"/>
           <a:lstStyle/>
           <a:p>
             <a:pPr>
@@ -7842,8 +7843,8 @@
         </p:nvSpPr>
         <p:spPr>
           <a:xfrm>
-            <a:off x="7777161" y="5099049"/>
-            <a:ext cx="274639" cy="274640"/>
+            <a:off x="7777162" y="5099050"/>
+            <a:ext cx="274638" cy="274638"/>
           </a:xfrm>
           <a:prstGeom prst="ellipse">
             <a:avLst/>
@@ -7858,7 +7859,7 @@
           </a:ln>
         </p:spPr>
         <p:txBody>
-          <a:bodyPr lIns="45718" tIns="45718" rIns="45718" bIns="45718" anchor="ctr"/>
+          <a:bodyPr lIns="45719" rIns="45719" anchor="ctr"/>
           <a:lstStyle/>
           <a:p>
             <a:pPr>
@@ -7880,8 +7881,8 @@
         </p:nvSpPr>
         <p:spPr>
           <a:xfrm>
-            <a:off x="7827961" y="4422774"/>
-            <a:ext cx="274639" cy="637623"/>
+            <a:off x="7827962" y="4422775"/>
+            <a:ext cx="274638" cy="637624"/>
           </a:xfrm>
           <a:prstGeom prst="rect">
             <a:avLst/>
@@ -8019,7 +8020,7 @@
         <p:spPr>
           <a:xfrm>
             <a:off x="7350918" y="3720306"/>
-            <a:ext cx="563563" cy="357188"/>
+            <a:ext cx="563564" cy="357188"/>
           </a:xfrm>
           <a:prstGeom prst="straightConnector1">
             <a:avLst/>
@@ -8043,8 +8044,8 @@
         </p:nvCxnSpPr>
         <p:spPr>
           <a:xfrm flipV="1">
-            <a:off x="7369174" y="3720306"/>
-            <a:ext cx="532607" cy="342108"/>
+            <a:off x="7369175" y="3720306"/>
+            <a:ext cx="532607" cy="342107"/>
           </a:xfrm>
           <a:prstGeom prst="straightConnector1">
             <a:avLst/>
@@ -8068,8 +8069,8 @@
         </p:nvCxnSpPr>
         <p:spPr>
           <a:xfrm>
-            <a:off x="7369174" y="4062413"/>
-            <a:ext cx="545307" cy="345281"/>
+            <a:off x="7369175" y="4062412"/>
+            <a:ext cx="545307" cy="345282"/>
           </a:xfrm>
           <a:prstGeom prst="straightConnector1">
             <a:avLst/>
@@ -8093,8 +8094,8 @@
         </p:nvCxnSpPr>
         <p:spPr>
           <a:xfrm flipV="1">
-            <a:off x="7363618" y="4077494"/>
-            <a:ext cx="550863" cy="330200"/>
+            <a:off x="7363618" y="4077493"/>
+            <a:ext cx="550864" cy="330201"/>
           </a:xfrm>
           <a:prstGeom prst="straightConnector1">
             <a:avLst/>
@@ -8118,8 +8119,8 @@
         </p:nvCxnSpPr>
         <p:spPr>
           <a:xfrm>
-            <a:off x="7369174" y="4062413"/>
-            <a:ext cx="545307" cy="15081"/>
+            <a:off x="7369175" y="4062412"/>
+            <a:ext cx="545307" cy="15082"/>
           </a:xfrm>
           <a:prstGeom prst="straightConnector1">
             <a:avLst/>
@@ -8143,8 +8144,8 @@
         </p:nvCxnSpPr>
         <p:spPr>
           <a:xfrm>
-            <a:off x="7363618" y="5236369"/>
-            <a:ext cx="550863" cy="0"/>
+            <a:off x="7363618" y="5236368"/>
+            <a:ext cx="550864" cy="1"/>
           </a:xfrm>
           <a:prstGeom prst="straightConnector1">
             <a:avLst/>
@@ -8168,8 +8169,8 @@
         </p:nvCxnSpPr>
         <p:spPr>
           <a:xfrm>
-            <a:off x="7363618" y="4407694"/>
-            <a:ext cx="550863" cy="828675"/>
+            <a:off x="7363618" y="4407693"/>
+            <a:ext cx="550864" cy="828676"/>
           </a:xfrm>
           <a:prstGeom prst="straightConnector1">
             <a:avLst/>
@@ -8193,8 +8194,8 @@
         </p:nvCxnSpPr>
         <p:spPr>
           <a:xfrm flipV="1">
-            <a:off x="7363618" y="4407694"/>
-            <a:ext cx="550863" cy="828675"/>
+            <a:off x="7363618" y="4407693"/>
+            <a:ext cx="550864" cy="828676"/>
           </a:xfrm>
           <a:prstGeom prst="straightConnector1">
             <a:avLst/>
@@ -8218,8 +8219,8 @@
         </p:nvCxnSpPr>
         <p:spPr>
           <a:xfrm>
-            <a:off x="7369174" y="4062413"/>
-            <a:ext cx="545307" cy="345281"/>
+            <a:off x="7369175" y="4062412"/>
+            <a:ext cx="545307" cy="345282"/>
           </a:xfrm>
           <a:prstGeom prst="straightConnector1">
             <a:avLst/>
@@ -8243,8 +8244,8 @@
         </p:nvCxnSpPr>
         <p:spPr>
           <a:xfrm>
-            <a:off x="7363618" y="4407694"/>
-            <a:ext cx="550863" cy="0"/>
+            <a:off x="7363618" y="4407693"/>
+            <a:ext cx="550864" cy="1"/>
           </a:xfrm>
           <a:prstGeom prst="straightConnector1">
             <a:avLst/>
@@ -8269,7 +8270,7 @@
         <p:spPr>
           <a:xfrm>
             <a:off x="7350918" y="3720306"/>
-            <a:ext cx="550863" cy="1"/>
+            <a:ext cx="550864" cy="1"/>
           </a:xfrm>
           <a:prstGeom prst="straightConnector1">
             <a:avLst/>
@@ -8290,8 +8291,8 @@
         </p:nvSpPr>
         <p:spPr>
           <a:xfrm rot="60000">
-            <a:off x="2352674" y="5173662"/>
-            <a:ext cx="949326" cy="1901827"/>
+            <a:off x="2352675" y="5173662"/>
+            <a:ext cx="949325" cy="1901826"/>
           </a:xfrm>
           <a:prstGeom prst="rect">
             <a:avLst/>
@@ -8306,7 +8307,7 @@
           </a:ln>
         </p:spPr>
         <p:txBody>
-          <a:bodyPr lIns="45718" tIns="45718" rIns="45718" bIns="45718" anchor="ctr"/>
+          <a:bodyPr lIns="45719" rIns="45719" anchor="ctr"/>
           <a:lstStyle/>
           <a:p>
             <a:pPr>
@@ -8328,8 +8329,8 @@
         </p:nvSpPr>
         <p:spPr>
           <a:xfrm>
-            <a:off x="2425699" y="5238749"/>
-            <a:ext cx="274640" cy="274640"/>
+            <a:off x="2425700" y="5238750"/>
+            <a:ext cx="274638" cy="274638"/>
           </a:xfrm>
           <a:prstGeom prst="ellipse">
             <a:avLst/>
@@ -8344,7 +8345,7 @@
           </a:ln>
         </p:spPr>
         <p:txBody>
-          <a:bodyPr lIns="45718" tIns="45718" rIns="45718" bIns="45718" anchor="ctr"/>
+          <a:bodyPr lIns="45719" rIns="45719" anchor="ctr"/>
           <a:lstStyle/>
           <a:p>
             <a:pPr>
@@ -8366,8 +8367,8 @@
         </p:nvSpPr>
         <p:spPr>
           <a:xfrm>
-            <a:off x="2438399" y="5926137"/>
-            <a:ext cx="274640" cy="274639"/>
+            <a:off x="2438400" y="5926137"/>
+            <a:ext cx="274638" cy="274638"/>
           </a:xfrm>
           <a:prstGeom prst="ellipse">
             <a:avLst/>
@@ -8382,7 +8383,7 @@
           </a:ln>
         </p:spPr>
         <p:txBody>
-          <a:bodyPr lIns="45718" tIns="45718" rIns="45718" bIns="45718" anchor="ctr"/>
+          <a:bodyPr lIns="45719" rIns="45719" anchor="ctr"/>
           <a:lstStyle/>
           <a:p>
             <a:pPr>
@@ -8404,8 +8405,8 @@
         </p:nvSpPr>
         <p:spPr>
           <a:xfrm rot="21300000">
-            <a:off x="2449511" y="5580062"/>
-            <a:ext cx="263527" cy="279403"/>
+            <a:off x="2449512" y="5580062"/>
+            <a:ext cx="263526" cy="279401"/>
           </a:xfrm>
           <a:prstGeom prst="ellipse">
             <a:avLst/>
@@ -8420,7 +8421,7 @@
           </a:ln>
         </p:spPr>
         <p:txBody>
-          <a:bodyPr lIns="45718" tIns="45718" rIns="45718" bIns="45718" anchor="ctr"/>
+          <a:bodyPr lIns="45719" rIns="45719" anchor="ctr"/>
           <a:lstStyle/>
           <a:p>
             <a:pPr>
@@ -8442,8 +8443,8 @@
         </p:nvSpPr>
         <p:spPr>
           <a:xfrm>
-            <a:off x="2438399" y="6754811"/>
-            <a:ext cx="274640" cy="274639"/>
+            <a:off x="2438400" y="6754812"/>
+            <a:ext cx="274638" cy="274638"/>
           </a:xfrm>
           <a:prstGeom prst="ellipse">
             <a:avLst/>
@@ -8458,7 +8459,7 @@
           </a:ln>
         </p:spPr>
         <p:txBody>
-          <a:bodyPr lIns="45718" tIns="45718" rIns="45718" bIns="45718" anchor="ctr"/>
+          <a:bodyPr lIns="45719" rIns="45719" anchor="ctr"/>
           <a:lstStyle/>
           <a:p>
             <a:pPr>
@@ -8480,8 +8481,8 @@
         </p:nvSpPr>
         <p:spPr>
           <a:xfrm>
-            <a:off x="2489199" y="6078537"/>
-            <a:ext cx="274640" cy="637623"/>
+            <a:off x="2489200" y="6078537"/>
+            <a:ext cx="274638" cy="637625"/>
           </a:xfrm>
           <a:prstGeom prst="rect">
             <a:avLst/>
@@ -8615,8 +8616,8 @@
         </p:nvSpPr>
         <p:spPr>
           <a:xfrm>
-            <a:off x="2976561" y="5238749"/>
-            <a:ext cx="274639" cy="274640"/>
+            <a:off x="2976562" y="5238750"/>
+            <a:ext cx="274638" cy="274638"/>
           </a:xfrm>
           <a:prstGeom prst="ellipse">
             <a:avLst/>
@@ -8631,7 +8632,7 @@
           </a:ln>
         </p:spPr>
         <p:txBody>
-          <a:bodyPr lIns="45718" tIns="45718" rIns="45718" bIns="45718" anchor="ctr"/>
+          <a:bodyPr lIns="45719" rIns="45719" anchor="ctr"/>
           <a:lstStyle/>
           <a:p>
             <a:pPr>
@@ -8653,8 +8654,8 @@
         </p:nvSpPr>
         <p:spPr>
           <a:xfrm>
-            <a:off x="2989261" y="5926137"/>
-            <a:ext cx="274639" cy="274639"/>
+            <a:off x="2989262" y="5926137"/>
+            <a:ext cx="274638" cy="274638"/>
           </a:xfrm>
           <a:prstGeom prst="ellipse">
             <a:avLst/>
@@ -8669,7 +8670,7 @@
           </a:ln>
         </p:spPr>
         <p:txBody>
-          <a:bodyPr lIns="45718" tIns="45718" rIns="45718" bIns="45718" anchor="ctr"/>
+          <a:bodyPr lIns="45719" rIns="45719" anchor="ctr"/>
           <a:lstStyle/>
           <a:p>
             <a:pPr>
@@ -8691,8 +8692,8 @@
         </p:nvSpPr>
         <p:spPr>
           <a:xfrm>
-            <a:off x="2989261" y="5595937"/>
-            <a:ext cx="274639" cy="274639"/>
+            <a:off x="2989262" y="5595937"/>
+            <a:ext cx="274638" cy="274638"/>
           </a:xfrm>
           <a:prstGeom prst="ellipse">
             <a:avLst/>
@@ -8707,7 +8708,7 @@
           </a:ln>
         </p:spPr>
         <p:txBody>
-          <a:bodyPr lIns="45718" tIns="45718" rIns="45718" bIns="45718" anchor="ctr"/>
+          <a:bodyPr lIns="45719" rIns="45719" anchor="ctr"/>
           <a:lstStyle/>
           <a:p>
             <a:pPr>
@@ -8729,8 +8730,8 @@
         </p:nvSpPr>
         <p:spPr>
           <a:xfrm>
-            <a:off x="2989261" y="6754811"/>
-            <a:ext cx="274639" cy="274639"/>
+            <a:off x="2989262" y="6754812"/>
+            <a:ext cx="274638" cy="274638"/>
           </a:xfrm>
           <a:prstGeom prst="ellipse">
             <a:avLst/>
@@ -8745,7 +8746,7 @@
           </a:ln>
         </p:spPr>
         <p:txBody>
-          <a:bodyPr lIns="45718" tIns="45718" rIns="45718" bIns="45718" anchor="ctr"/>
+          <a:bodyPr lIns="45719" rIns="45719" anchor="ctr"/>
           <a:lstStyle/>
           <a:p>
             <a:pPr>
@@ -8767,8 +8768,8 @@
         </p:nvSpPr>
         <p:spPr>
           <a:xfrm>
-            <a:off x="3040061" y="6078537"/>
-            <a:ext cx="274639" cy="637623"/>
+            <a:off x="3040062" y="6078537"/>
+            <a:ext cx="274638" cy="637625"/>
           </a:xfrm>
           <a:prstGeom prst="rect">
             <a:avLst/>
@@ -8905,8 +8906,8 @@
         </p:nvCxnSpPr>
         <p:spPr>
           <a:xfrm>
-            <a:off x="2563019" y="5376069"/>
-            <a:ext cx="563562" cy="357188"/>
+            <a:off x="2563018" y="5376068"/>
+            <a:ext cx="563564" cy="357189"/>
           </a:xfrm>
           <a:prstGeom prst="straightConnector1">
             <a:avLst/>
@@ -8930,7 +8931,7 @@
         </p:nvCxnSpPr>
         <p:spPr>
           <a:xfrm flipV="1">
-            <a:off x="2581274" y="5376069"/>
+            <a:off x="2581275" y="5376068"/>
             <a:ext cx="532607" cy="343695"/>
           </a:xfrm>
           <a:prstGeom prst="straightConnector1">
@@ -8955,8 +8956,8 @@
         </p:nvCxnSpPr>
         <p:spPr>
           <a:xfrm>
-            <a:off x="2581274" y="5719763"/>
-            <a:ext cx="545307" cy="343694"/>
+            <a:off x="2581275" y="5719762"/>
+            <a:ext cx="545307" cy="343695"/>
           </a:xfrm>
           <a:prstGeom prst="straightConnector1">
             <a:avLst/>
@@ -8980,8 +8981,8 @@
         </p:nvCxnSpPr>
         <p:spPr>
           <a:xfrm flipV="1">
-            <a:off x="2575719" y="5733256"/>
-            <a:ext cx="550862" cy="330201"/>
+            <a:off x="2575718" y="5733256"/>
+            <a:ext cx="550864" cy="330201"/>
           </a:xfrm>
           <a:prstGeom prst="straightConnector1">
             <a:avLst/>
@@ -9005,8 +9006,8 @@
         </p:nvCxnSpPr>
         <p:spPr>
           <a:xfrm>
-            <a:off x="2581274" y="5719763"/>
-            <a:ext cx="545307" cy="13494"/>
+            <a:off x="2581275" y="5719762"/>
+            <a:ext cx="545307" cy="13495"/>
           </a:xfrm>
           <a:prstGeom prst="straightConnector1">
             <a:avLst/>
@@ -9030,8 +9031,8 @@
         </p:nvCxnSpPr>
         <p:spPr>
           <a:xfrm>
-            <a:off x="2575719" y="6892130"/>
-            <a:ext cx="550862" cy="1"/>
+            <a:off x="2575718" y="6892131"/>
+            <a:ext cx="550864" cy="1"/>
           </a:xfrm>
           <a:prstGeom prst="straightConnector1">
             <a:avLst/>
@@ -9055,8 +9056,8 @@
         </p:nvCxnSpPr>
         <p:spPr>
           <a:xfrm>
-            <a:off x="2575719" y="6063456"/>
-            <a:ext cx="550862" cy="828675"/>
+            <a:off x="2575718" y="6063456"/>
+            <a:ext cx="550864" cy="828676"/>
           </a:xfrm>
           <a:prstGeom prst="straightConnector1">
             <a:avLst/>
@@ -9080,8 +9081,8 @@
         </p:nvCxnSpPr>
         <p:spPr>
           <a:xfrm flipV="1">
-            <a:off x="2575719" y="6063456"/>
-            <a:ext cx="550862" cy="828675"/>
+            <a:off x="2575718" y="6063456"/>
+            <a:ext cx="550864" cy="828676"/>
           </a:xfrm>
           <a:prstGeom prst="straightConnector1">
             <a:avLst/>
@@ -9105,8 +9106,8 @@
         </p:nvCxnSpPr>
         <p:spPr>
           <a:xfrm>
-            <a:off x="2581274" y="5719763"/>
-            <a:ext cx="545307" cy="343694"/>
+            <a:off x="2581275" y="5719762"/>
+            <a:ext cx="545307" cy="343695"/>
           </a:xfrm>
           <a:prstGeom prst="straightConnector1">
             <a:avLst/>
@@ -9130,8 +9131,8 @@
         </p:nvCxnSpPr>
         <p:spPr>
           <a:xfrm>
-            <a:off x="2575719" y="6063456"/>
-            <a:ext cx="550862" cy="1"/>
+            <a:off x="2575718" y="6063456"/>
+            <a:ext cx="550864" cy="1"/>
           </a:xfrm>
           <a:prstGeom prst="straightConnector1">
             <a:avLst/>
@@ -9155,8 +9156,8 @@
         </p:nvCxnSpPr>
         <p:spPr>
           <a:xfrm>
-            <a:off x="2563019" y="5376069"/>
-            <a:ext cx="550862" cy="0"/>
+            <a:off x="2563018" y="5376068"/>
+            <a:ext cx="550864" cy="1"/>
           </a:xfrm>
           <a:prstGeom prst="straightConnector1">
             <a:avLst/>
@@ -9178,7 +9179,7 @@
         <p:spPr>
           <a:xfrm rot="60000">
             <a:off x="5843587" y="5173662"/>
-            <a:ext cx="949327" cy="1901827"/>
+            <a:ext cx="949326" cy="1901826"/>
           </a:xfrm>
           <a:prstGeom prst="rect">
             <a:avLst/>
@@ -9193,7 +9194,7 @@
           </a:ln>
         </p:spPr>
         <p:txBody>
-          <a:bodyPr lIns="45718" tIns="45718" rIns="45718" bIns="45718" anchor="ctr"/>
+          <a:bodyPr lIns="45719" rIns="45719" anchor="ctr"/>
           <a:lstStyle/>
           <a:p>
             <a:pPr>
@@ -9215,8 +9216,8 @@
         </p:nvSpPr>
         <p:spPr>
           <a:xfrm>
-            <a:off x="5916612" y="5238749"/>
-            <a:ext cx="274639" cy="274640"/>
+            <a:off x="5916612" y="5238750"/>
+            <a:ext cx="274638" cy="274638"/>
           </a:xfrm>
           <a:prstGeom prst="ellipse">
             <a:avLst/>
@@ -9231,7 +9232,7 @@
           </a:ln>
         </p:spPr>
         <p:txBody>
-          <a:bodyPr lIns="45718" tIns="45718" rIns="45718" bIns="45718" anchor="ctr"/>
+          <a:bodyPr lIns="45719" rIns="45719" anchor="ctr"/>
           <a:lstStyle/>
           <a:p>
             <a:pPr>
@@ -9254,7 +9255,7 @@
         <p:spPr>
           <a:xfrm>
             <a:off x="5929312" y="5926137"/>
-            <a:ext cx="274639" cy="274639"/>
+            <a:ext cx="274638" cy="274638"/>
           </a:xfrm>
           <a:prstGeom prst="ellipse">
             <a:avLst/>
@@ -9269,7 +9270,7 @@
           </a:ln>
         </p:spPr>
         <p:txBody>
-          <a:bodyPr lIns="45718" tIns="45718" rIns="45718" bIns="45718" anchor="ctr"/>
+          <a:bodyPr lIns="45719" rIns="45719" anchor="ctr"/>
           <a:lstStyle/>
           <a:p>
             <a:pPr>
@@ -9292,7 +9293,7 @@
         <p:spPr>
           <a:xfrm rot="21300000">
             <a:off x="5940425" y="5580062"/>
-            <a:ext cx="263527" cy="279403"/>
+            <a:ext cx="263525" cy="279401"/>
           </a:xfrm>
           <a:prstGeom prst="ellipse">
             <a:avLst/>
@@ -9307,7 +9308,7 @@
           </a:ln>
         </p:spPr>
         <p:txBody>
-          <a:bodyPr lIns="45718" tIns="45718" rIns="45718" bIns="45718" anchor="ctr"/>
+          <a:bodyPr lIns="45719" rIns="45719" anchor="ctr"/>
           <a:lstStyle/>
           <a:p>
             <a:pPr>
@@ -9329,8 +9330,8 @@
         </p:nvSpPr>
         <p:spPr>
           <a:xfrm>
-            <a:off x="5929312" y="6754811"/>
-            <a:ext cx="274639" cy="274639"/>
+            <a:off x="5929312" y="6754812"/>
+            <a:ext cx="274638" cy="274638"/>
           </a:xfrm>
           <a:prstGeom prst="ellipse">
             <a:avLst/>
@@ -9345,7 +9346,7 @@
           </a:ln>
         </p:spPr>
         <p:txBody>
-          <a:bodyPr lIns="45718" tIns="45718" rIns="45718" bIns="45718" anchor="ctr"/>
+          <a:bodyPr lIns="45719" rIns="45719" anchor="ctr"/>
           <a:lstStyle/>
           <a:p>
             <a:pPr>
@@ -9367,8 +9368,8 @@
         </p:nvSpPr>
         <p:spPr>
           <a:xfrm>
-            <a:off x="5981699" y="6078537"/>
-            <a:ext cx="274640" cy="637623"/>
+            <a:off x="5981700" y="6078537"/>
+            <a:ext cx="274638" cy="637625"/>
           </a:xfrm>
           <a:prstGeom prst="rect">
             <a:avLst/>
@@ -9502,8 +9503,8 @@
         </p:nvSpPr>
         <p:spPr>
           <a:xfrm>
-            <a:off x="6467474" y="5238749"/>
-            <a:ext cx="274640" cy="274640"/>
+            <a:off x="6467475" y="5238750"/>
+            <a:ext cx="274638" cy="274638"/>
           </a:xfrm>
           <a:prstGeom prst="ellipse">
             <a:avLst/>
@@ -9518,7 +9519,7 @@
           </a:ln>
         </p:spPr>
         <p:txBody>
-          <a:bodyPr lIns="45718" tIns="45718" rIns="45718" bIns="45718" anchor="ctr"/>
+          <a:bodyPr lIns="45719" rIns="45719" anchor="ctr"/>
           <a:lstStyle/>
           <a:p>
             <a:pPr>
@@ -9540,8 +9541,8 @@
         </p:nvSpPr>
         <p:spPr>
           <a:xfrm>
-            <a:off x="6480174" y="5926137"/>
-            <a:ext cx="274640" cy="274639"/>
+            <a:off x="6480175" y="5926137"/>
+            <a:ext cx="274638" cy="274638"/>
           </a:xfrm>
           <a:prstGeom prst="ellipse">
             <a:avLst/>
@@ -9556,7 +9557,7 @@
           </a:ln>
         </p:spPr>
         <p:txBody>
-          <a:bodyPr lIns="45718" tIns="45718" rIns="45718" bIns="45718" anchor="ctr"/>
+          <a:bodyPr lIns="45719" rIns="45719" anchor="ctr"/>
           <a:lstStyle/>
           <a:p>
             <a:pPr>
@@ -9578,8 +9579,8 @@
         </p:nvSpPr>
         <p:spPr>
           <a:xfrm>
-            <a:off x="6480174" y="5595937"/>
-            <a:ext cx="274640" cy="274639"/>
+            <a:off x="6480175" y="5595937"/>
+            <a:ext cx="274638" cy="274638"/>
           </a:xfrm>
           <a:prstGeom prst="ellipse">
             <a:avLst/>
@@ -9594,7 +9595,7 @@
           </a:ln>
         </p:spPr>
         <p:txBody>
-          <a:bodyPr lIns="45718" tIns="45718" rIns="45718" bIns="45718" anchor="ctr"/>
+          <a:bodyPr lIns="45719" rIns="45719" anchor="ctr"/>
           <a:lstStyle/>
           <a:p>
             <a:pPr>
@@ -9616,8 +9617,8 @@
         </p:nvSpPr>
         <p:spPr>
           <a:xfrm>
-            <a:off x="6480174" y="6754811"/>
-            <a:ext cx="274640" cy="274639"/>
+            <a:off x="6480175" y="6754812"/>
+            <a:ext cx="274638" cy="274638"/>
           </a:xfrm>
           <a:prstGeom prst="ellipse">
             <a:avLst/>
@@ -9632,7 +9633,7 @@
           </a:ln>
         </p:spPr>
         <p:txBody>
-          <a:bodyPr lIns="45718" tIns="45718" rIns="45718" bIns="45718" anchor="ctr"/>
+          <a:bodyPr lIns="45719" rIns="45719" anchor="ctr"/>
           <a:lstStyle/>
           <a:p>
             <a:pPr>
@@ -9654,8 +9655,8 @@
         </p:nvSpPr>
         <p:spPr>
           <a:xfrm>
-            <a:off x="6532561" y="6078537"/>
-            <a:ext cx="274639" cy="637623"/>
+            <a:off x="6532562" y="6078537"/>
+            <a:ext cx="274638" cy="637625"/>
           </a:xfrm>
           <a:prstGeom prst="rect">
             <a:avLst/>
@@ -9792,8 +9793,8 @@
         </p:nvCxnSpPr>
         <p:spPr>
           <a:xfrm>
-            <a:off x="6053931" y="5376069"/>
-            <a:ext cx="563564" cy="357188"/>
+            <a:off x="6053931" y="5376068"/>
+            <a:ext cx="563563" cy="357189"/>
           </a:xfrm>
           <a:prstGeom prst="straightConnector1">
             <a:avLst/>
@@ -9817,7 +9818,7 @@
         </p:nvCxnSpPr>
         <p:spPr>
           <a:xfrm flipV="1">
-            <a:off x="6072188" y="5376069"/>
+            <a:off x="6072187" y="5376068"/>
             <a:ext cx="532607" cy="343695"/>
           </a:xfrm>
           <a:prstGeom prst="straightConnector1">
@@ -9842,8 +9843,8 @@
         </p:nvCxnSpPr>
         <p:spPr>
           <a:xfrm>
-            <a:off x="6072188" y="5719763"/>
-            <a:ext cx="545307" cy="343694"/>
+            <a:off x="6072187" y="5719762"/>
+            <a:ext cx="545307" cy="343695"/>
           </a:xfrm>
           <a:prstGeom prst="straightConnector1">
             <a:avLst/>
@@ -9868,7 +9869,7 @@
         <p:spPr>
           <a:xfrm flipV="1">
             <a:off x="6066631" y="5733256"/>
-            <a:ext cx="550864" cy="330201"/>
+            <a:ext cx="550863" cy="330201"/>
           </a:xfrm>
           <a:prstGeom prst="straightConnector1">
             <a:avLst/>
@@ -9892,8 +9893,8 @@
         </p:nvCxnSpPr>
         <p:spPr>
           <a:xfrm>
-            <a:off x="6072188" y="5719763"/>
-            <a:ext cx="545307" cy="13494"/>
+            <a:off x="6072187" y="5719762"/>
+            <a:ext cx="545307" cy="13495"/>
           </a:xfrm>
           <a:prstGeom prst="straightConnector1">
             <a:avLst/>
@@ -9917,8 +9918,8 @@
         </p:nvCxnSpPr>
         <p:spPr>
           <a:xfrm>
-            <a:off x="6066631" y="6892130"/>
-            <a:ext cx="550864" cy="1"/>
+            <a:off x="6066631" y="6892131"/>
+            <a:ext cx="550863" cy="1"/>
           </a:xfrm>
           <a:prstGeom prst="straightConnector1">
             <a:avLst/>
@@ -9943,7 +9944,7 @@
         <p:spPr>
           <a:xfrm>
             <a:off x="6066631" y="6063456"/>
-            <a:ext cx="550864" cy="828675"/>
+            <a:ext cx="550863" cy="828676"/>
           </a:xfrm>
           <a:prstGeom prst="straightConnector1">
             <a:avLst/>
@@ -9968,7 +9969,7 @@
         <p:spPr>
           <a:xfrm flipV="1">
             <a:off x="6066631" y="6063456"/>
-            <a:ext cx="550864" cy="828675"/>
+            <a:ext cx="550863" cy="828676"/>
           </a:xfrm>
           <a:prstGeom prst="straightConnector1">
             <a:avLst/>
@@ -9992,8 +9993,8 @@
         </p:nvCxnSpPr>
         <p:spPr>
           <a:xfrm>
-            <a:off x="6072188" y="5719763"/>
-            <a:ext cx="545307" cy="343694"/>
+            <a:off x="6072187" y="5719762"/>
+            <a:ext cx="545307" cy="343695"/>
           </a:xfrm>
           <a:prstGeom prst="straightConnector1">
             <a:avLst/>
@@ -10018,7 +10019,7 @@
         <p:spPr>
           <a:xfrm>
             <a:off x="6066631" y="6063456"/>
-            <a:ext cx="550864" cy="1"/>
+            <a:ext cx="550863" cy="1"/>
           </a:xfrm>
           <a:prstGeom prst="straightConnector1">
             <a:avLst/>
@@ -10042,8 +10043,8 @@
         </p:nvCxnSpPr>
         <p:spPr>
           <a:xfrm>
-            <a:off x="6053931" y="5376069"/>
-            <a:ext cx="550864" cy="0"/>
+            <a:off x="6053931" y="5376068"/>
+            <a:ext cx="550863" cy="1"/>
           </a:xfrm>
           <a:prstGeom prst="straightConnector1">
             <a:avLst/>
@@ -10064,10 +10065,10 @@
         </p:nvGrpSpPr>
         <p:grpSpPr>
           <a:xfrm>
-            <a:off x="7109576" y="5759449"/>
-            <a:ext cx="800182" cy="639765"/>
+            <a:off x="7109577" y="5759450"/>
+            <a:ext cx="800184" cy="639763"/>
             <a:chOff x="0" y="0"/>
-            <a:chExt cx="800181" cy="639763"/>
+            <a:chExt cx="800182" cy="639762"/>
           </a:xfrm>
         </p:grpSpPr>
         <p:sp>
@@ -10078,8 +10079,8 @@
           </p:nvSpPr>
           <p:spPr>
             <a:xfrm>
-              <a:off x="34172" y="-1"/>
-              <a:ext cx="731841" cy="639765"/>
+              <a:off x="34172" y="0"/>
+              <a:ext cx="731839" cy="639763"/>
             </a:xfrm>
             <a:prstGeom prst="rect">
               <a:avLst/>
@@ -10097,7 +10098,7 @@
             <a:effectLst/>
           </p:spPr>
           <p:txBody>
-            <a:bodyPr wrap="square" lIns="45718" tIns="45718" rIns="45718" bIns="45718" numCol="1" anchor="ctr">
+            <a:bodyPr wrap="square" lIns="45719" tIns="45719" rIns="45719" bIns="45719" numCol="1" anchor="ctr">
               <a:noAutofit/>
             </a:bodyPr>
             <a:lstStyle/>
@@ -10144,7 +10145,7 @@
           <p:spPr>
             <a:xfrm>
               <a:off x="0" y="67617"/>
-              <a:ext cx="800182" cy="504527"/>
+              <a:ext cx="800184" cy="504529"/>
             </a:xfrm>
             <a:prstGeom prst="rect">
               <a:avLst/>
@@ -10267,7 +10268,7 @@
       </p:grpSpPr>
       <p:sp>
         <p:nvSpPr>
-          <p:cNvPr id="194" name="Slide Number"/>
+          <p:cNvPr id="196" name="Slide Number"/>
           <p:cNvSpPr txBox="1"/>
           <p:nvPr>
             <p:ph type="sldNum" sz="quarter" idx="4294967295"/>
@@ -10298,7 +10299,7 @@
       </p:sp>
       <p:sp>
         <p:nvSpPr>
-          <p:cNvPr id="195" name="Output"/>
+          <p:cNvPr id="197" name="Output"/>
           <p:cNvSpPr txBox="1"/>
           <p:nvPr>
             <p:ph type="ctrTitle"/>
@@ -10306,8 +10307,8 @@
         </p:nvSpPr>
         <p:spPr>
           <a:xfrm>
-            <a:off x="360362" y="360361"/>
-            <a:ext cx="9356726" cy="896939"/>
+            <a:off x="360362" y="360362"/>
+            <a:ext cx="9356726" cy="896938"/>
           </a:xfrm>
           <a:prstGeom prst="rect">
             <a:avLst/>
@@ -10351,7 +10352,7 @@
       </p:sp>
       <p:sp>
         <p:nvSpPr>
-          <p:cNvPr id="196" name="The prediction on gold data (gen[] array for genuine signatures) is shown first with probability values.…"/>
+          <p:cNvPr id="198" name="Training accuracy is around 85%…"/>
           <p:cNvSpPr txBox="1"/>
           <p:nvPr>
             <p:ph type="subTitle" idx="1"/>
@@ -10359,8 +10360,8 @@
         </p:nvSpPr>
         <p:spPr>
           <a:xfrm>
-            <a:off x="360361" y="1979611"/>
-            <a:ext cx="9332916" cy="4787902"/>
+            <a:off x="55562" y="1640681"/>
+            <a:ext cx="9332914" cy="5489788"/>
           </a:xfrm>
           <a:prstGeom prst="rect">
             <a:avLst/>
@@ -10370,293 +10371,362 @@
           <a:bodyPr/>
           <a:lstStyle/>
           <a:p>
-            <a:pPr marL="246888" indent="-245745" defTabSz="329184">
+            <a:pPr marL="291097" indent="-291097" defTabSz="306324">
               <a:spcBef>
                 <a:spcPts val="700"/>
               </a:spcBef>
-              <a:buClr>
-                <a:srgbClr val="000000"/>
-              </a:buClr>
               <a:buSzPct val="100000"/>
-              <a:buAutoNum type="alphaLcParenR" startAt="1"/>
+              <a:buAutoNum type="alphaUcPeriod" startAt="1"/>
               <a:tabLst>
-                <a:tab pos="241300" algn="l"/>
-                <a:tab pos="317500" algn="l"/>
-                <a:tab pos="647700" algn="l"/>
-                <a:tab pos="977900" algn="l"/>
-                <a:tab pos="1295400" algn="l"/>
-                <a:tab pos="1625600" algn="l"/>
-                <a:tab pos="1955800" algn="l"/>
-                <a:tab pos="2286000" algn="l"/>
-                <a:tab pos="2616200" algn="l"/>
-                <a:tab pos="2946400" algn="l"/>
-                <a:tab pos="3276600" algn="l"/>
-                <a:tab pos="3606800" algn="l"/>
-                <a:tab pos="3937000" algn="l"/>
-                <a:tab pos="4267200" algn="l"/>
-                <a:tab pos="4597400" algn="l"/>
-                <a:tab pos="4927600" algn="l"/>
-                <a:tab pos="5257800" algn="l"/>
-                <a:tab pos="5575300" algn="l"/>
-                <a:tab pos="5905500" algn="l"/>
-                <a:tab pos="6235700" algn="l"/>
-                <a:tab pos="6565900" algn="l"/>
-                <a:tab pos="6578600" algn="l"/>
+                <a:tab pos="228600" algn="l"/>
+                <a:tab pos="292100" algn="l"/>
+                <a:tab pos="596900" algn="l"/>
+                <a:tab pos="901700" algn="l"/>
+                <a:tab pos="1206500" algn="l"/>
+                <a:tab pos="1511300" algn="l"/>
+                <a:tab pos="1828800" algn="l"/>
+                <a:tab pos="2133600" algn="l"/>
+                <a:tab pos="2438400" algn="l"/>
+                <a:tab pos="2743200" algn="l"/>
+                <a:tab pos="3048000" algn="l"/>
+                <a:tab pos="3352800" algn="l"/>
+                <a:tab pos="3657600" algn="l"/>
+                <a:tab pos="3962400" algn="l"/>
+                <a:tab pos="4279900" algn="l"/>
+                <a:tab pos="4584700" algn="l"/>
+                <a:tab pos="4889500" algn="l"/>
+                <a:tab pos="5194300" algn="l"/>
+                <a:tab pos="5499100" algn="l"/>
+                <a:tab pos="5803900" algn="l"/>
+                <a:tab pos="6108700" algn="l"/>
+                <a:tab pos="6121400" algn="l"/>
               </a:tabLst>
-              <a:defRPr sz="1800"/>
+              <a:defRPr sz="1742"/>
             </a:pPr>
             <a:r>
-              <a:t>  The prediction on gold data (gen[] array for genuine signatures) is shown first with probability values.</a:t>
+              <a:t>Training accuracy is around 85% </a:t>
             </a:r>
           </a:p>
           <a:p>
-            <a:pPr marL="244602" indent="-243459" defTabSz="329184">
+            <a:pPr marL="291097" indent="-291097" defTabSz="306324">
               <a:spcBef>
                 <a:spcPts val="700"/>
               </a:spcBef>
+              <a:buSzPct val="100000"/>
+              <a:buAutoNum type="alphaUcPeriod" startAt="1"/>
               <a:tabLst>
-                <a:tab pos="241300" algn="l"/>
-                <a:tab pos="317500" algn="l"/>
-                <a:tab pos="647700" algn="l"/>
-                <a:tab pos="977900" algn="l"/>
-                <a:tab pos="1295400" algn="l"/>
-                <a:tab pos="1625600" algn="l"/>
-                <a:tab pos="1955800" algn="l"/>
-                <a:tab pos="2286000" algn="l"/>
-                <a:tab pos="2616200" algn="l"/>
-                <a:tab pos="2946400" algn="l"/>
-                <a:tab pos="3276600" algn="l"/>
-                <a:tab pos="3606800" algn="l"/>
-                <a:tab pos="3937000" algn="l"/>
-                <a:tab pos="4267200" algn="l"/>
-                <a:tab pos="4597400" algn="l"/>
-                <a:tab pos="4927600" algn="l"/>
-                <a:tab pos="5257800" algn="l"/>
-                <a:tab pos="5575300" algn="l"/>
-                <a:tab pos="5905500" algn="l"/>
-                <a:tab pos="6235700" algn="l"/>
-                <a:tab pos="6565900" algn="l"/>
-                <a:tab pos="6578600" algn="l"/>
+                <a:tab pos="228600" algn="l"/>
+                <a:tab pos="292100" algn="l"/>
+                <a:tab pos="596900" algn="l"/>
+                <a:tab pos="901700" algn="l"/>
+                <a:tab pos="1206500" algn="l"/>
+                <a:tab pos="1511300" algn="l"/>
+                <a:tab pos="1828800" algn="l"/>
+                <a:tab pos="2133600" algn="l"/>
+                <a:tab pos="2438400" algn="l"/>
+                <a:tab pos="2743200" algn="l"/>
+                <a:tab pos="3048000" algn="l"/>
+                <a:tab pos="3352800" algn="l"/>
+                <a:tab pos="3657600" algn="l"/>
+                <a:tab pos="3962400" algn="l"/>
+                <a:tab pos="4279900" algn="l"/>
+                <a:tab pos="4584700" algn="l"/>
+                <a:tab pos="4889500" algn="l"/>
+                <a:tab pos="5194300" algn="l"/>
+                <a:tab pos="5499100" algn="l"/>
+                <a:tab pos="5803900" algn="l"/>
+                <a:tab pos="6108700" algn="l"/>
+                <a:tab pos="6121400" algn="l"/>
               </a:tabLst>
-              <a:defRPr sz="1800"/>
+              <a:defRPr sz="1742"/>
             </a:pPr>
             <a:r>
-              <a:t> </a:t>
+              <a:t> The prediction on gold data (gen[] array for genuine signatures) is shown first with probability values.</a:t>
             </a:r>
           </a:p>
           <a:p>
-            <a:pPr marL="244602" indent="-243459" defTabSz="329184">
+            <a:pPr marL="291097" indent="-291097" defTabSz="306324">
               <a:spcBef>
                 <a:spcPts val="700"/>
               </a:spcBef>
+              <a:buSzPct val="100000"/>
+              <a:buAutoNum type="alphaUcPeriod" startAt="1"/>
               <a:tabLst>
-                <a:tab pos="241300" algn="l"/>
-                <a:tab pos="317500" algn="l"/>
-                <a:tab pos="647700" algn="l"/>
-                <a:tab pos="977900" algn="l"/>
-                <a:tab pos="1295400" algn="l"/>
-                <a:tab pos="1625600" algn="l"/>
-                <a:tab pos="1955800" algn="l"/>
-                <a:tab pos="2286000" algn="l"/>
-                <a:tab pos="2616200" algn="l"/>
-                <a:tab pos="2946400" algn="l"/>
-                <a:tab pos="3276600" algn="l"/>
-                <a:tab pos="3606800" algn="l"/>
-                <a:tab pos="3937000" algn="l"/>
-                <a:tab pos="4267200" algn="l"/>
-                <a:tab pos="4597400" algn="l"/>
-                <a:tab pos="4927600" algn="l"/>
-                <a:tab pos="5257800" algn="l"/>
-                <a:tab pos="5575300" algn="l"/>
-                <a:tab pos="5905500" algn="l"/>
-                <a:tab pos="6235700" algn="l"/>
-                <a:tab pos="6565900" algn="l"/>
-                <a:tab pos="6578600" algn="l"/>
+                <a:tab pos="228600" algn="l"/>
+                <a:tab pos="292100" algn="l"/>
+                <a:tab pos="596900" algn="l"/>
+                <a:tab pos="901700" algn="l"/>
+                <a:tab pos="1206500" algn="l"/>
+                <a:tab pos="1511300" algn="l"/>
+                <a:tab pos="1828800" algn="l"/>
+                <a:tab pos="2133600" algn="l"/>
+                <a:tab pos="2438400" algn="l"/>
+                <a:tab pos="2743200" algn="l"/>
+                <a:tab pos="3048000" algn="l"/>
+                <a:tab pos="3352800" algn="l"/>
+                <a:tab pos="3657600" algn="l"/>
+                <a:tab pos="3962400" algn="l"/>
+                <a:tab pos="4279900" algn="l"/>
+                <a:tab pos="4584700" algn="l"/>
+                <a:tab pos="4889500" algn="l"/>
+                <a:tab pos="5194300" algn="l"/>
+                <a:tab pos="5499100" algn="l"/>
+                <a:tab pos="5803900" algn="l"/>
+                <a:tab pos="6108700" algn="l"/>
+                <a:tab pos="6121400" algn="l"/>
               </a:tabLst>
-              <a:defRPr sz="1800"/>
+              <a:defRPr sz="1742"/>
             </a:pPr>
           </a:p>
           <a:p>
-            <a:pPr marL="246888" indent="-245745" defTabSz="329184">
+            <a:pPr marL="291097" indent="-291097" defTabSz="306324">
               <a:spcBef>
                 <a:spcPts val="700"/>
               </a:spcBef>
-              <a:buClr>
-                <a:srgbClr val="000000"/>
-              </a:buClr>
               <a:buSzPct val="100000"/>
-              <a:buAutoNum type="alphaLcParenR" startAt="1"/>
+              <a:buAutoNum type="alphaUcPeriod" startAt="4"/>
               <a:tabLst>
-                <a:tab pos="241300" algn="l"/>
-                <a:tab pos="317500" algn="l"/>
-                <a:tab pos="647700" algn="l"/>
-                <a:tab pos="977900" algn="l"/>
-                <a:tab pos="1295400" algn="l"/>
-                <a:tab pos="1625600" algn="l"/>
-                <a:tab pos="1955800" algn="l"/>
-                <a:tab pos="2286000" algn="l"/>
-                <a:tab pos="2616200" algn="l"/>
-                <a:tab pos="2946400" algn="l"/>
-                <a:tab pos="3276600" algn="l"/>
-                <a:tab pos="3606800" algn="l"/>
-                <a:tab pos="3937000" algn="l"/>
-                <a:tab pos="4267200" algn="l"/>
-                <a:tab pos="4597400" algn="l"/>
-                <a:tab pos="4927600" algn="l"/>
-                <a:tab pos="5257800" algn="l"/>
-                <a:tab pos="5575300" algn="l"/>
-                <a:tab pos="5905500" algn="l"/>
-                <a:tab pos="6235700" algn="l"/>
-                <a:tab pos="6565900" algn="l"/>
-                <a:tab pos="6578600" algn="l"/>
+                <a:tab pos="228600" algn="l"/>
+                <a:tab pos="292100" algn="l"/>
+                <a:tab pos="596900" algn="l"/>
+                <a:tab pos="901700" algn="l"/>
+                <a:tab pos="1206500" algn="l"/>
+                <a:tab pos="1511300" algn="l"/>
+                <a:tab pos="1828800" algn="l"/>
+                <a:tab pos="2133600" algn="l"/>
+                <a:tab pos="2438400" algn="l"/>
+                <a:tab pos="2743200" algn="l"/>
+                <a:tab pos="3048000" algn="l"/>
+                <a:tab pos="3352800" algn="l"/>
+                <a:tab pos="3657600" algn="l"/>
+                <a:tab pos="3962400" algn="l"/>
+                <a:tab pos="4279900" algn="l"/>
+                <a:tab pos="4584700" algn="l"/>
+                <a:tab pos="4889500" algn="l"/>
+                <a:tab pos="5194300" algn="l"/>
+                <a:tab pos="5499100" algn="l"/>
+                <a:tab pos="5803900" algn="l"/>
+                <a:tab pos="6108700" algn="l"/>
+                <a:tab pos="6121400" algn="l"/>
               </a:tabLst>
-              <a:defRPr sz="1800"/>
+              <a:defRPr sz="1742"/>
             </a:pPr>
-            <a:r>
-              <a:t>  The prediction on forged data (forg[] array) is shown later. </a:t>
-            </a:r>
-          </a:p>
-          <a:p>
-            <a:pPr marL="244602" indent="-243459" defTabSz="329184">
+          </a:p>
+          <a:p>
+            <a:pPr marL="291097" indent="-291097" defTabSz="306324">
               <a:spcBef>
                 <a:spcPts val="700"/>
               </a:spcBef>
+              <a:buSzPct val="100000"/>
+              <a:buAutoNum type="alphaUcPeriod" startAt="5"/>
               <a:tabLst>
-                <a:tab pos="241300" algn="l"/>
-                <a:tab pos="317500" algn="l"/>
-                <a:tab pos="647700" algn="l"/>
-                <a:tab pos="977900" algn="l"/>
-                <a:tab pos="1295400" algn="l"/>
-                <a:tab pos="1625600" algn="l"/>
-                <a:tab pos="1955800" algn="l"/>
-                <a:tab pos="2286000" algn="l"/>
-                <a:tab pos="2616200" algn="l"/>
-                <a:tab pos="2946400" algn="l"/>
-                <a:tab pos="3276600" algn="l"/>
-                <a:tab pos="3606800" algn="l"/>
-                <a:tab pos="3937000" algn="l"/>
-                <a:tab pos="4267200" algn="l"/>
-                <a:tab pos="4597400" algn="l"/>
-                <a:tab pos="4927600" algn="l"/>
-                <a:tab pos="5257800" algn="l"/>
-                <a:tab pos="5575300" algn="l"/>
-                <a:tab pos="5905500" algn="l"/>
-                <a:tab pos="6235700" algn="l"/>
-                <a:tab pos="6565900" algn="l"/>
-                <a:tab pos="6578600" algn="l"/>
+                <a:tab pos="228600" algn="l"/>
+                <a:tab pos="292100" algn="l"/>
+                <a:tab pos="596900" algn="l"/>
+                <a:tab pos="901700" algn="l"/>
+                <a:tab pos="1206500" algn="l"/>
+                <a:tab pos="1511300" algn="l"/>
+                <a:tab pos="1828800" algn="l"/>
+                <a:tab pos="2133600" algn="l"/>
+                <a:tab pos="2438400" algn="l"/>
+                <a:tab pos="2743200" algn="l"/>
+                <a:tab pos="3048000" algn="l"/>
+                <a:tab pos="3352800" algn="l"/>
+                <a:tab pos="3657600" algn="l"/>
+                <a:tab pos="3962400" algn="l"/>
+                <a:tab pos="4279900" algn="l"/>
+                <a:tab pos="4584700" algn="l"/>
+                <a:tab pos="4889500" algn="l"/>
+                <a:tab pos="5194300" algn="l"/>
+                <a:tab pos="5499100" algn="l"/>
+                <a:tab pos="5803900" algn="l"/>
+                <a:tab pos="6108700" algn="l"/>
+                <a:tab pos="6121400" algn="l"/>
               </a:tabLst>
-              <a:defRPr sz="1800"/>
+              <a:defRPr sz="1742"/>
             </a:pPr>
-          </a:p>
-          <a:p>
-            <a:pPr marL="244602" indent="-243459" defTabSz="329184">
+            <a:r>
+              <a:t>The prediction on forged data (forg[] array) is shown later. </a:t>
+            </a:r>
+          </a:p>
+          <a:p>
+            <a:pPr marL="291097" indent="-291097" defTabSz="306324">
               <a:spcBef>
                 <a:spcPts val="700"/>
               </a:spcBef>
+              <a:buSzPct val="100000"/>
+              <a:buAutoNum type="alphaUcPeriod" startAt="5"/>
               <a:tabLst>
-                <a:tab pos="241300" algn="l"/>
-                <a:tab pos="317500" algn="l"/>
-                <a:tab pos="647700" algn="l"/>
-                <a:tab pos="977900" algn="l"/>
-                <a:tab pos="1295400" algn="l"/>
-                <a:tab pos="1625600" algn="l"/>
-                <a:tab pos="1955800" algn="l"/>
-                <a:tab pos="2286000" algn="l"/>
-                <a:tab pos="2616200" algn="l"/>
-                <a:tab pos="2946400" algn="l"/>
-                <a:tab pos="3276600" algn="l"/>
-                <a:tab pos="3606800" algn="l"/>
-                <a:tab pos="3937000" algn="l"/>
-                <a:tab pos="4267200" algn="l"/>
-                <a:tab pos="4597400" algn="l"/>
-                <a:tab pos="4927600" algn="l"/>
-                <a:tab pos="5257800" algn="l"/>
-                <a:tab pos="5575300" algn="l"/>
-                <a:tab pos="5905500" algn="l"/>
-                <a:tab pos="6235700" algn="l"/>
-                <a:tab pos="6565900" algn="l"/>
-                <a:tab pos="6578600" algn="l"/>
+                <a:tab pos="228600" algn="l"/>
+                <a:tab pos="292100" algn="l"/>
+                <a:tab pos="596900" algn="l"/>
+                <a:tab pos="901700" algn="l"/>
+                <a:tab pos="1206500" algn="l"/>
+                <a:tab pos="1511300" algn="l"/>
+                <a:tab pos="1828800" algn="l"/>
+                <a:tab pos="2133600" algn="l"/>
+                <a:tab pos="2438400" algn="l"/>
+                <a:tab pos="2743200" algn="l"/>
+                <a:tab pos="3048000" algn="l"/>
+                <a:tab pos="3352800" algn="l"/>
+                <a:tab pos="3657600" algn="l"/>
+                <a:tab pos="3962400" algn="l"/>
+                <a:tab pos="4279900" algn="l"/>
+                <a:tab pos="4584700" algn="l"/>
+                <a:tab pos="4889500" algn="l"/>
+                <a:tab pos="5194300" algn="l"/>
+                <a:tab pos="5499100" algn="l"/>
+                <a:tab pos="5803900" algn="l"/>
+                <a:tab pos="6108700" algn="l"/>
+                <a:tab pos="6121400" algn="l"/>
               </a:tabLst>
-              <a:defRPr sz="1800"/>
+              <a:defRPr sz="1742"/>
             </a:pPr>
           </a:p>
           <a:p>
-            <a:pPr marL="244602" indent="-243459" defTabSz="329184">
+            <a:pPr marL="291097" indent="-291097" defTabSz="306324">
               <a:spcBef>
                 <a:spcPts val="700"/>
               </a:spcBef>
+              <a:buSzPct val="100000"/>
+              <a:buAutoNum type="alphaUcPeriod" startAt="7"/>
               <a:tabLst>
-                <a:tab pos="241300" algn="l"/>
-                <a:tab pos="317500" algn="l"/>
-                <a:tab pos="647700" algn="l"/>
-                <a:tab pos="977900" algn="l"/>
-                <a:tab pos="1295400" algn="l"/>
-                <a:tab pos="1625600" algn="l"/>
-                <a:tab pos="1955800" algn="l"/>
-                <a:tab pos="2286000" algn="l"/>
-                <a:tab pos="2616200" algn="l"/>
-                <a:tab pos="2946400" algn="l"/>
-                <a:tab pos="3276600" algn="l"/>
-                <a:tab pos="3606800" algn="l"/>
-                <a:tab pos="3937000" algn="l"/>
-                <a:tab pos="4267200" algn="l"/>
-                <a:tab pos="4597400" algn="l"/>
-                <a:tab pos="4927600" algn="l"/>
-                <a:tab pos="5257800" algn="l"/>
-                <a:tab pos="5575300" algn="l"/>
-                <a:tab pos="5905500" algn="l"/>
-                <a:tab pos="6235700" algn="l"/>
-                <a:tab pos="6565900" algn="l"/>
-                <a:tab pos="6578600" algn="l"/>
+                <a:tab pos="228600" algn="l"/>
+                <a:tab pos="292100" algn="l"/>
+                <a:tab pos="596900" algn="l"/>
+                <a:tab pos="901700" algn="l"/>
+                <a:tab pos="1206500" algn="l"/>
+                <a:tab pos="1511300" algn="l"/>
+                <a:tab pos="1828800" algn="l"/>
+                <a:tab pos="2133600" algn="l"/>
+                <a:tab pos="2438400" algn="l"/>
+                <a:tab pos="2743200" algn="l"/>
+                <a:tab pos="3048000" algn="l"/>
+                <a:tab pos="3352800" algn="l"/>
+                <a:tab pos="3657600" algn="l"/>
+                <a:tab pos="3962400" algn="l"/>
+                <a:tab pos="4279900" algn="l"/>
+                <a:tab pos="4584700" algn="l"/>
+                <a:tab pos="4889500" algn="l"/>
+                <a:tab pos="5194300" algn="l"/>
+                <a:tab pos="5499100" algn="l"/>
+                <a:tab pos="5803900" algn="l"/>
+                <a:tab pos="6108700" algn="l"/>
+                <a:tab pos="6121400" algn="l"/>
               </a:tabLst>
-              <a:defRPr sz="1800"/>
+              <a:defRPr sz="1742"/>
             </a:pPr>
           </a:p>
           <a:p>
-            <a:pPr marL="246888" indent="-245745" defTabSz="329184">
+            <a:pPr marL="291097" indent="-291097" defTabSz="306324">
               <a:spcBef>
                 <a:spcPts val="700"/>
               </a:spcBef>
-              <a:buClr>
-                <a:srgbClr val="000000"/>
-              </a:buClr>
               <a:buSzPct val="100000"/>
-              <a:buAutoNum type="alphaLcParenR" startAt="1"/>
+              <a:buAutoNum type="alphaUcPeriod" startAt="8"/>
               <a:tabLst>
-                <a:tab pos="241300" algn="l"/>
-                <a:tab pos="317500" algn="l"/>
-                <a:tab pos="647700" algn="l"/>
-                <a:tab pos="977900" algn="l"/>
-                <a:tab pos="1295400" algn="l"/>
-                <a:tab pos="1625600" algn="l"/>
-                <a:tab pos="1955800" algn="l"/>
-                <a:tab pos="2286000" algn="l"/>
-                <a:tab pos="2616200" algn="l"/>
-                <a:tab pos="2946400" algn="l"/>
-                <a:tab pos="3276600" algn="l"/>
-                <a:tab pos="3606800" algn="l"/>
-                <a:tab pos="3937000" algn="l"/>
-                <a:tab pos="4267200" algn="l"/>
-                <a:tab pos="4597400" algn="l"/>
-                <a:tab pos="4927600" algn="l"/>
-                <a:tab pos="5257800" algn="l"/>
-                <a:tab pos="5575300" algn="l"/>
-                <a:tab pos="5905500" algn="l"/>
-                <a:tab pos="6235700" algn="l"/>
-                <a:tab pos="6565900" algn="l"/>
-                <a:tab pos="6578600" algn="l"/>
+                <a:tab pos="228600" algn="l"/>
+                <a:tab pos="292100" algn="l"/>
+                <a:tab pos="596900" algn="l"/>
+                <a:tab pos="901700" algn="l"/>
+                <a:tab pos="1206500" algn="l"/>
+                <a:tab pos="1511300" algn="l"/>
+                <a:tab pos="1828800" algn="l"/>
+                <a:tab pos="2133600" algn="l"/>
+                <a:tab pos="2438400" algn="l"/>
+                <a:tab pos="2743200" algn="l"/>
+                <a:tab pos="3048000" algn="l"/>
+                <a:tab pos="3352800" algn="l"/>
+                <a:tab pos="3657600" algn="l"/>
+                <a:tab pos="3962400" algn="l"/>
+                <a:tab pos="4279900" algn="l"/>
+                <a:tab pos="4584700" algn="l"/>
+                <a:tab pos="4889500" algn="l"/>
+                <a:tab pos="5194300" algn="l"/>
+                <a:tab pos="5499100" algn="l"/>
+                <a:tab pos="5803900" algn="l"/>
+                <a:tab pos="6108700" algn="l"/>
+                <a:tab pos="6121400" algn="l"/>
               </a:tabLst>
-              <a:defRPr sz="1800"/>
+              <a:defRPr sz="1742"/>
+            </a:pPr>
+          </a:p>
+          <a:p>
+            <a:pPr marL="291097" indent="-291097" defTabSz="306324">
+              <a:spcBef>
+                <a:spcPts val="700"/>
+              </a:spcBef>
+              <a:buSzPct val="100000"/>
+              <a:buAutoNum type="alphaUcPeriod" startAt="9"/>
+              <a:tabLst>
+                <a:tab pos="228600" algn="l"/>
+                <a:tab pos="292100" algn="l"/>
+                <a:tab pos="596900" algn="l"/>
+                <a:tab pos="901700" algn="l"/>
+                <a:tab pos="1206500" algn="l"/>
+                <a:tab pos="1511300" algn="l"/>
+                <a:tab pos="1828800" algn="l"/>
+                <a:tab pos="2133600" algn="l"/>
+                <a:tab pos="2438400" algn="l"/>
+                <a:tab pos="2743200" algn="l"/>
+                <a:tab pos="3048000" algn="l"/>
+                <a:tab pos="3352800" algn="l"/>
+                <a:tab pos="3657600" algn="l"/>
+                <a:tab pos="3962400" algn="l"/>
+                <a:tab pos="4279900" algn="l"/>
+                <a:tab pos="4584700" algn="l"/>
+                <a:tab pos="4889500" algn="l"/>
+                <a:tab pos="5194300" algn="l"/>
+                <a:tab pos="5499100" algn="l"/>
+                <a:tab pos="5803900" algn="l"/>
+                <a:tab pos="6108700" algn="l"/>
+                <a:tab pos="6121400" algn="l"/>
+              </a:tabLst>
+              <a:defRPr sz="1742"/>
+            </a:pPr>
+          </a:p>
+          <a:p>
+            <a:pPr marL="291097" indent="-291097" defTabSz="306324">
+              <a:spcBef>
+                <a:spcPts val="700"/>
+              </a:spcBef>
+              <a:buSzPct val="100000"/>
+              <a:buAutoNum type="alphaUcPeriod" startAt="10"/>
+              <a:tabLst>
+                <a:tab pos="228600" algn="l"/>
+                <a:tab pos="292100" algn="l"/>
+                <a:tab pos="596900" algn="l"/>
+                <a:tab pos="901700" algn="l"/>
+                <a:tab pos="1206500" algn="l"/>
+                <a:tab pos="1511300" algn="l"/>
+                <a:tab pos="1828800" algn="l"/>
+                <a:tab pos="2133600" algn="l"/>
+                <a:tab pos="2438400" algn="l"/>
+                <a:tab pos="2743200" algn="l"/>
+                <a:tab pos="3048000" algn="l"/>
+                <a:tab pos="3352800" algn="l"/>
+                <a:tab pos="3657600" algn="l"/>
+                <a:tab pos="3962400" algn="l"/>
+                <a:tab pos="4279900" algn="l"/>
+                <a:tab pos="4584700" algn="l"/>
+                <a:tab pos="4889500" algn="l"/>
+                <a:tab pos="5194300" algn="l"/>
+                <a:tab pos="5499100" algn="l"/>
+                <a:tab pos="5803900" algn="l"/>
+                <a:tab pos="6108700" algn="l"/>
+                <a:tab pos="6121400" algn="l"/>
+              </a:tabLst>
+              <a:defRPr sz="1742"/>
             </a:pPr>
             <a:r>
-              <a:t>  Forged dataset and genuine dataset have the same order of signatures. Gen[0] represents genuine signature sample 1 of person 0. Forg[0] represents forged signature sample 1 of person 0. Gen[4] represents genuine signature sample 5 of person 0. Forg[4] represents forged signature sample 5 of person 0. Gen[5] represents genuine signature sample 1 of person 1. Forg[5] represents forged signature sample 1 of person 1 and so on. </a:t>
+              <a:t>Forged dataset and genuine dataset have the same order of signatures. Gen[0] represents genuine signature sample 1 of person 0. Forg[0] represents forged signature sample 1 of person 0. Gen[4] represents genuine signature sample 5 of person 0. Forg[4] represents forged signature sample 5 of person 0. Gen[5] represents genuine signature sample 1 of person 1. Forg[5] represents forged signature sample 1 of person 1 and so on. </a:t>
             </a:r>
           </a:p>
         </p:txBody>
       </p:sp>
       <p:pic>
         <p:nvPicPr>
-          <p:cNvPr id="197" name="image.png" descr="image.png"/>
+          <p:cNvPr id="199" name="Screen Shot 2018-12-26 at 2.16.22 AM.png" descr="Screen Shot 2018-12-26 at 2.16.22 AM.png"/>
           <p:cNvPicPr>
             <a:picLocks noChangeAspect="1"/>
           </p:cNvPicPr>
@@ -10672,8 +10742,8 @@
         </p:blipFill>
         <p:spPr>
           <a:xfrm>
-            <a:off x="2700336" y="2286000"/>
-            <a:ext cx="4097339" cy="1171575"/>
+            <a:off x="2882900" y="2258886"/>
+            <a:ext cx="6653804" cy="1113091"/>
           </a:xfrm>
           <a:prstGeom prst="rect">
             <a:avLst/>
@@ -10685,7 +10755,7 @@
       </p:pic>
       <p:pic>
         <p:nvPicPr>
-          <p:cNvPr id="198" name="image.png" descr="image.png"/>
+          <p:cNvPr id="200" name="Screen Shot 2018-12-26 at 2.18.43 AM.png" descr="Screen Shot 2018-12-26 at 2.18.43 AM.png"/>
           <p:cNvPicPr>
             <a:picLocks noChangeAspect="1"/>
           </p:cNvPicPr>
@@ -10701,8 +10771,8 @@
         </p:blipFill>
         <p:spPr>
           <a:xfrm>
-            <a:off x="2332036" y="3794125"/>
-            <a:ext cx="4433889" cy="1350963"/>
+            <a:off x="2374900" y="3618715"/>
+            <a:ext cx="6112068" cy="1480798"/>
           </a:xfrm>
           <a:prstGeom prst="rect">
             <a:avLst/>
@@ -10740,17 +10810,13 @@
       </p:grpSpPr>
       <p:sp>
         <p:nvSpPr>
-          <p:cNvPr id="200" name="Observations"/>
+          <p:cNvPr id="202" name="Observations"/>
           <p:cNvSpPr txBox="1"/>
           <p:nvPr>
             <p:ph type="ctrTitle"/>
           </p:nvPr>
         </p:nvSpPr>
         <p:spPr>
-          <a:xfrm>
-            <a:off x="360361" y="360362"/>
-            <a:ext cx="9355140" cy="895351"/>
-          </a:xfrm>
           <a:prstGeom prst="rect">
             <a:avLst/>
           </a:prstGeom>
@@ -10768,16 +10834,16 @@
       </p:sp>
       <p:sp>
         <p:nvSpPr>
-          <p:cNvPr id="201" name="Quite a bit of overlap exists between the 4 datasets.…"/>
+          <p:cNvPr id="203" name="Quite a bit of overlap exists between the 4 datasets.…"/>
           <p:cNvSpPr txBox="1"/>
           <p:nvPr>
-            <p:ph type="subTitle" idx="1"/>
+            <p:ph type="subTitle" sz="half" idx="1"/>
           </p:nvPr>
         </p:nvSpPr>
         <p:spPr>
           <a:xfrm>
-            <a:off x="360362" y="1979611"/>
-            <a:ext cx="9175751" cy="4675189"/>
+            <a:off x="360362" y="1789112"/>
+            <a:ext cx="6219091" cy="4675188"/>
           </a:xfrm>
           <a:prstGeom prst="rect">
             <a:avLst/>
@@ -10787,40 +10853,117 @@
           <a:bodyPr/>
           <a:lstStyle/>
           <a:p>
-            <a:pPr marL="305179" indent="-305179" defTabSz="406908">
+            <a:pPr marL="202310" indent="-202310" defTabSz="269747">
               <a:spcBef>
-                <a:spcPts val="900"/>
+                <a:spcPts val="600"/>
               </a:spcBef>
-              <a:defRPr sz="2300"/>
+              <a:defRPr sz="1533"/>
             </a:pPr>
             <a:r>
               <a:t>Quite a bit of overlap exists between the 4 datasets. </a:t>
             </a:r>
           </a:p>
           <a:p>
-            <a:pPr marL="305179" indent="-305179" defTabSz="406908">
+            <a:pPr marL="202310" indent="-202310" defTabSz="269747">
               <a:spcBef>
-                <a:spcPts val="900"/>
+                <a:spcPts val="600"/>
               </a:spcBef>
-              <a:defRPr sz="2300"/>
+              <a:defRPr sz="1533"/>
             </a:pPr>
             <a:r>
-              <a:t>For e.g., 01203012.png in dataset 1 is genuine signature by person 12 in dataset 1. But 0120312.png exactly matches signature 02103021.png in dataset 3 (which is genuine signature by person 21 in dataset 3). By training our model on a hybrid dataset built from real signatures in dataset 3 and dataset 4, we are able to detect mislabeled signatures in dataset 1, 2 and 4. When the match accuracy is above 0.95% (probability 0.95), we can assume a perfect match. </a:t>
+              <a:t>For e.g., 01203012.png in dataset 1 is genuine signature by person 12 in dataset 1. But 0120312.png exactly matches signature 02103021.png in dataset 3 (which is genuine signature by person 21 in dataset 3). By training our model on a hybrid dataset built from real signatures in dataset 3 and dataset 4, we are able to detect mislabeled signatures in dataset 1, 2 and 4. When the match accuracy is above 95% (probability 0.95), we can safely assume either a perfect signature match or detection of a duplicate (mislabelled) signature. </a:t>
             </a:r>
           </a:p>
           <a:p>
-            <a:pPr marL="305179" indent="-305179" defTabSz="406908">
+            <a:pPr marL="202310" indent="-202310" defTabSz="269747">
               <a:spcBef>
-                <a:spcPts val="900"/>
+                <a:spcPts val="600"/>
               </a:spcBef>
-              <a:defRPr sz="2300"/>
+              <a:defRPr sz="1533"/>
             </a:pPr>
             <a:r>
               <a:t>By running predictions on forged signature datasets (all 4) we get very low match accuracy in general to the genuine signatures.</a:t>
             </a:r>
           </a:p>
+          <a:p>
+            <a:pPr marL="202310" indent="-202310" defTabSz="269747">
+              <a:spcBef>
+                <a:spcPts val="600"/>
+              </a:spcBef>
+              <a:defRPr sz="1533"/>
+            </a:pPr>
+          </a:p>
+          <a:p>
+            <a:pPr marL="202310" indent="-202310" defTabSz="269747">
+              <a:spcBef>
+                <a:spcPts val="600"/>
+              </a:spcBef>
+              <a:defRPr sz="1533"/>
+            </a:pPr>
+            <a:r>
+              <a:t>Our prediction is able to detect forgery wherein it can detect images 00103026.png, 00102029.png are signatures of signer 1. Its able to do this because it is a handwriting recognition model.</a:t>
+            </a:r>
+          </a:p>
         </p:txBody>
       </p:sp>
+      <p:pic>
+        <p:nvPicPr>
+          <p:cNvPr id="204" name="Screen Shot 2018-12-26 at 2.05.12 AM.png" descr="Screen Shot 2018-12-26 at 2.05.12 AM.png"/>
+          <p:cNvPicPr>
+            <a:picLocks noChangeAspect="1"/>
+          </p:cNvPicPr>
+          <p:nvPr/>
+        </p:nvPicPr>
+        <p:blipFill>
+          <a:blip r:embed="rId2">
+            <a:extLst/>
+          </a:blip>
+          <a:stretch>
+            <a:fillRect/>
+          </a:stretch>
+        </p:blipFill>
+        <p:spPr>
+          <a:xfrm>
+            <a:off x="7042150" y="1785143"/>
+            <a:ext cx="2387600" cy="2235201"/>
+          </a:xfrm>
+          <a:prstGeom prst="rect">
+            <a:avLst/>
+          </a:prstGeom>
+          <a:ln w="12700">
+            <a:miter lim="400000"/>
+          </a:ln>
+        </p:spPr>
+      </p:pic>
+      <p:pic>
+        <p:nvPicPr>
+          <p:cNvPr id="205" name="Screen Shot 2018-12-26 at 2.06.25 AM.png" descr="Screen Shot 2018-12-26 at 2.06.25 AM.png"/>
+          <p:cNvPicPr>
+            <a:picLocks noChangeAspect="1"/>
+          </p:cNvPicPr>
+          <p:nvPr/>
+        </p:nvPicPr>
+        <p:blipFill>
+          <a:blip r:embed="rId3">
+            <a:extLst/>
+          </a:blip>
+          <a:stretch>
+            <a:fillRect/>
+          </a:stretch>
+        </p:blipFill>
+        <p:spPr>
+          <a:xfrm>
+            <a:off x="6997700" y="4365625"/>
+            <a:ext cx="2476500" cy="2044701"/>
+          </a:xfrm>
+          <a:prstGeom prst="rect">
+            <a:avLst/>
+          </a:prstGeom>
+          <a:ln w="12700">
+            <a:miter lim="400000"/>
+          </a:ln>
+        </p:spPr>
+      </p:pic>
     </p:spTree>
   </p:cSld>
   <p:clrMapOvr>
@@ -10962,7 +11105,13 @@
           <a:effectLst/>
         </a:effectStyle>
         <a:effectStyle>
-          <a:effectLst/>
+          <a:effectLst>
+            <a:outerShdw sx="100000" sy="100000" kx="0" ky="0" algn="b" rotWithShape="0" blurRad="38100" dist="20000" dir="5400000">
+              <a:srgbClr val="000000">
+                <a:alpha val="38000"/>
+              </a:srgbClr>
+            </a:outerShdw>
+          </a:effectLst>
         </a:effectStyle>
       </a:effectStyleLst>
       <a:bgFillStyleLst>
@@ -11033,7 +11182,7 @@
         <a:effectLst/>
         <a:sp3d/>
       </a:spPr>
-      <a:bodyPr rot="0" spcFirstLastPara="1" vertOverflow="overflow" horzOverflow="overflow" vert="horz" wrap="square" lIns="45718" tIns="45718" rIns="45718" bIns="45718" numCol="1" spcCol="38100" rtlCol="0" anchor="t" upright="0">
+      <a:bodyPr rot="0" spcFirstLastPara="1" vertOverflow="overflow" horzOverflow="overflow" vert="horz" wrap="square" lIns="45719" tIns="45719" rIns="45719" bIns="45719" numCol="1" spcCol="38100" rtlCol="0" anchor="t" upright="0">
         <a:spAutoFit/>
       </a:bodyPr>
       <a:lstStyle>
@@ -11319,7 +11468,13 @@
           <a:prstDash val="solid"/>
           <a:round/>
         </a:ln>
-        <a:effectLst/>
+        <a:effectLst>
+          <a:outerShdw sx="100000" sy="100000" kx="0" ky="0" algn="b" rotWithShape="0" blurRad="38100" dist="20000" dir="5400000">
+            <a:srgbClr val="000000">
+              <a:alpha val="38000"/>
+            </a:srgbClr>
+          </a:outerShdw>
+        </a:effectLst>
         <a:sp3d/>
       </a:spPr>
       <a:bodyPr rot="0" spcFirstLastPara="1" vertOverflow="overflow" horzOverflow="overflow" vert="horz" wrap="square" lIns="91439" tIns="45719" rIns="91439" bIns="45719" numCol="1" spcCol="38100" rtlCol="0" anchor="t" upright="0">
@@ -11604,7 +11759,7 @@
         <a:effectLst/>
         <a:sp3d/>
       </a:spPr>
-      <a:bodyPr rot="0" spcFirstLastPara="1" vertOverflow="overflow" horzOverflow="overflow" vert="horz" wrap="square" lIns="45718" tIns="45718" rIns="45718" bIns="45718" numCol="1" spcCol="38100" rtlCol="0" anchor="t" upright="0">
+      <a:bodyPr rot="0" spcFirstLastPara="1" vertOverflow="overflow" horzOverflow="overflow" vert="horz" wrap="square" lIns="45719" tIns="45719" rIns="45719" bIns="45719" numCol="1" spcCol="38100" rtlCol="0" anchor="t" upright="0">
         <a:spAutoFit/>
       </a:bodyPr>
       <a:lstStyle>
@@ -12016,7 +12171,13 @@
           <a:effectLst/>
         </a:effectStyle>
         <a:effectStyle>
-          <a:effectLst/>
+          <a:effectLst>
+            <a:outerShdw sx="100000" sy="100000" kx="0" ky="0" algn="b" rotWithShape="0" blurRad="38100" dist="20000" dir="5400000">
+              <a:srgbClr val="000000">
+                <a:alpha val="38000"/>
+              </a:srgbClr>
+            </a:outerShdw>
+          </a:effectLst>
         </a:effectStyle>
       </a:effectStyleLst>
       <a:bgFillStyleLst>
@@ -12087,7 +12248,7 @@
         <a:effectLst/>
         <a:sp3d/>
       </a:spPr>
-      <a:bodyPr rot="0" spcFirstLastPara="1" vertOverflow="overflow" horzOverflow="overflow" vert="horz" wrap="square" lIns="45718" tIns="45718" rIns="45718" bIns="45718" numCol="1" spcCol="38100" rtlCol="0" anchor="t" upright="0">
+      <a:bodyPr rot="0" spcFirstLastPara="1" vertOverflow="overflow" horzOverflow="overflow" vert="horz" wrap="square" lIns="45719" tIns="45719" rIns="45719" bIns="45719" numCol="1" spcCol="38100" rtlCol="0" anchor="t" upright="0">
         <a:spAutoFit/>
       </a:bodyPr>
       <a:lstStyle>
@@ -12373,7 +12534,13 @@
           <a:prstDash val="solid"/>
           <a:round/>
         </a:ln>
-        <a:effectLst/>
+        <a:effectLst>
+          <a:outerShdw sx="100000" sy="100000" kx="0" ky="0" algn="b" rotWithShape="0" blurRad="38100" dist="20000" dir="5400000">
+            <a:srgbClr val="000000">
+              <a:alpha val="38000"/>
+            </a:srgbClr>
+          </a:outerShdw>
+        </a:effectLst>
         <a:sp3d/>
       </a:spPr>
       <a:bodyPr rot="0" spcFirstLastPara="1" vertOverflow="overflow" horzOverflow="overflow" vert="horz" wrap="square" lIns="91439" tIns="45719" rIns="91439" bIns="45719" numCol="1" spcCol="38100" rtlCol="0" anchor="t" upright="0">
@@ -12658,7 +12825,7 @@
         <a:effectLst/>
         <a:sp3d/>
       </a:spPr>
-      <a:bodyPr rot="0" spcFirstLastPara="1" vertOverflow="overflow" horzOverflow="overflow" vert="horz" wrap="square" lIns="45718" tIns="45718" rIns="45718" bIns="45718" numCol="1" spcCol="38100" rtlCol="0" anchor="t" upright="0">
+      <a:bodyPr rot="0" spcFirstLastPara="1" vertOverflow="overflow" horzOverflow="overflow" vert="horz" wrap="square" lIns="45719" tIns="45719" rIns="45719" bIns="45719" numCol="1" spcCol="38100" rtlCol="0" anchor="t" upright="0">
         <a:spAutoFit/>
       </a:bodyPr>
       <a:lstStyle>
